--- a/public/state/ppImages.pptx
+++ b/public/state/ppImages.pptx
@@ -10,6 +10,9 @@
     <p:sldId id="258" r:id="rId4"/>
     <p:sldId id="257" r:id="rId5"/>
     <p:sldId id="260" r:id="rId6"/>
+    <p:sldId id="261" r:id="rId7"/>
+    <p:sldId id="262" r:id="rId8"/>
+    <p:sldId id="263" r:id="rId9"/>
   </p:sldIdLst>
   <p:sldSz cx="9144000" cy="6858000" type="screen4x3"/>
   <p:notesSz cx="6858000" cy="9144000"/>
@@ -292,7 +295,7 @@
           <a:p>
             <a:fld id="{AF15CE1E-802D-42E9-9474-6053072FD654}" type="datetimeFigureOut">
               <a:rPr lang="da-DK" smtClean="0"/>
-              <a:t>28-03-2017</a:t>
+              <a:t>21-11-2017</a:t>
             </a:fld>
             <a:endParaRPr lang="da-DK"/>
           </a:p>
@@ -462,7 +465,7 @@
           <a:p>
             <a:fld id="{AF15CE1E-802D-42E9-9474-6053072FD654}" type="datetimeFigureOut">
               <a:rPr lang="da-DK" smtClean="0"/>
-              <a:t>28-03-2017</a:t>
+              <a:t>21-11-2017</a:t>
             </a:fld>
             <a:endParaRPr lang="da-DK"/>
           </a:p>
@@ -642,7 +645,7 @@
           <a:p>
             <a:fld id="{AF15CE1E-802D-42E9-9474-6053072FD654}" type="datetimeFigureOut">
               <a:rPr lang="da-DK" smtClean="0"/>
-              <a:t>28-03-2017</a:t>
+              <a:t>21-11-2017</a:t>
             </a:fld>
             <a:endParaRPr lang="da-DK"/>
           </a:p>
@@ -812,7 +815,7 @@
           <a:p>
             <a:fld id="{AF15CE1E-802D-42E9-9474-6053072FD654}" type="datetimeFigureOut">
               <a:rPr lang="da-DK" smtClean="0"/>
-              <a:t>28-03-2017</a:t>
+              <a:t>21-11-2017</a:t>
             </a:fld>
             <a:endParaRPr lang="da-DK"/>
           </a:p>
@@ -1058,7 +1061,7 @@
           <a:p>
             <a:fld id="{AF15CE1E-802D-42E9-9474-6053072FD654}" type="datetimeFigureOut">
               <a:rPr lang="da-DK" smtClean="0"/>
-              <a:t>28-03-2017</a:t>
+              <a:t>21-11-2017</a:t>
             </a:fld>
             <a:endParaRPr lang="da-DK"/>
           </a:p>
@@ -1346,7 +1349,7 @@
           <a:p>
             <a:fld id="{AF15CE1E-802D-42E9-9474-6053072FD654}" type="datetimeFigureOut">
               <a:rPr lang="da-DK" smtClean="0"/>
-              <a:t>28-03-2017</a:t>
+              <a:t>21-11-2017</a:t>
             </a:fld>
             <a:endParaRPr lang="da-DK"/>
           </a:p>
@@ -1768,7 +1771,7 @@
           <a:p>
             <a:fld id="{AF15CE1E-802D-42E9-9474-6053072FD654}" type="datetimeFigureOut">
               <a:rPr lang="da-DK" smtClean="0"/>
-              <a:t>28-03-2017</a:t>
+              <a:t>21-11-2017</a:t>
             </a:fld>
             <a:endParaRPr lang="da-DK"/>
           </a:p>
@@ -1886,7 +1889,7 @@
           <a:p>
             <a:fld id="{AF15CE1E-802D-42E9-9474-6053072FD654}" type="datetimeFigureOut">
               <a:rPr lang="da-DK" smtClean="0"/>
-              <a:t>28-03-2017</a:t>
+              <a:t>21-11-2017</a:t>
             </a:fld>
             <a:endParaRPr lang="da-DK"/>
           </a:p>
@@ -1981,7 +1984,7 @@
           <a:p>
             <a:fld id="{AF15CE1E-802D-42E9-9474-6053072FD654}" type="datetimeFigureOut">
               <a:rPr lang="da-DK" smtClean="0"/>
-              <a:t>28-03-2017</a:t>
+              <a:t>21-11-2017</a:t>
             </a:fld>
             <a:endParaRPr lang="da-DK"/>
           </a:p>
@@ -2258,7 +2261,7 @@
           <a:p>
             <a:fld id="{AF15CE1E-802D-42E9-9474-6053072FD654}" type="datetimeFigureOut">
               <a:rPr lang="da-DK" smtClean="0"/>
-              <a:t>28-03-2017</a:t>
+              <a:t>21-11-2017</a:t>
             </a:fld>
             <a:endParaRPr lang="da-DK"/>
           </a:p>
@@ -2511,7 +2514,7 @@
           <a:p>
             <a:fld id="{AF15CE1E-802D-42E9-9474-6053072FD654}" type="datetimeFigureOut">
               <a:rPr lang="da-DK" smtClean="0"/>
-              <a:t>28-03-2017</a:t>
+              <a:t>21-11-2017</a:t>
             </a:fld>
             <a:endParaRPr lang="da-DK"/>
           </a:p>
@@ -2724,7 +2727,7 @@
           <a:p>
             <a:fld id="{AF15CE1E-802D-42E9-9474-6053072FD654}" type="datetimeFigureOut">
               <a:rPr lang="da-DK" smtClean="0"/>
-              <a:t>28-03-2017</a:t>
+              <a:t>21-11-2017</a:t>
             </a:fld>
             <a:endParaRPr lang="da-DK"/>
           </a:p>
@@ -6465,6 +6468,1156 @@
     <p:extLst>
       <p:ext uri="{BB962C8B-B14F-4D97-AF65-F5344CB8AC3E}">
         <p14:creationId xmlns:p14="http://schemas.microsoft.com/office/powerpoint/2010/main" val="253074112"/>
+      </p:ext>
+    </p:extLst>
+  </p:cSld>
+  <p:clrMapOvr>
+    <a:masterClrMapping/>
+  </p:clrMapOvr>
+</p:sld>
+</file>
+
+<file path=ppt/slides/slide6.xml><?xml version="1.0" encoding="utf-8"?>
+<p:sld xmlns:a="http://schemas.openxmlformats.org/drawingml/2006/main" xmlns:r="http://schemas.openxmlformats.org/officeDocument/2006/relationships" xmlns:p="http://schemas.openxmlformats.org/presentationml/2006/main">
+  <p:cSld>
+    <p:spTree>
+      <p:nvGrpSpPr>
+        <p:cNvPr id="1" name=""/>
+        <p:cNvGrpSpPr/>
+        <p:nvPr/>
+      </p:nvGrpSpPr>
+      <p:grpSpPr>
+        <a:xfrm>
+          <a:off x="0" y="0"/>
+          <a:ext cx="0" cy="0"/>
+          <a:chOff x="0" y="0"/>
+          <a:chExt cx="0" cy="0"/>
+        </a:xfrm>
+      </p:grpSpPr>
+      <p:sp>
+        <p:nvSpPr>
+          <p:cNvPr id="2" name="Rektangel 1"/>
+          <p:cNvSpPr/>
+          <p:nvPr/>
+        </p:nvSpPr>
+        <p:spPr>
+          <a:xfrm flipH="1">
+            <a:off x="4427984" y="2129249"/>
+            <a:ext cx="2734303" cy="4204340"/>
+          </a:xfrm>
+          <a:prstGeom prst="rect">
+            <a:avLst/>
+          </a:prstGeom>
+          <a:solidFill>
+            <a:schemeClr val="accent6">
+              <a:lumMod val="40000"/>
+              <a:lumOff val="60000"/>
+            </a:schemeClr>
+          </a:solidFill>
+          <a:ln>
+            <a:noFill/>
+          </a:ln>
+        </p:spPr>
+        <p:style>
+          <a:lnRef idx="2">
+            <a:schemeClr val="accent1">
+              <a:shade val="50000"/>
+            </a:schemeClr>
+          </a:lnRef>
+          <a:fillRef idx="1">
+            <a:schemeClr val="accent1"/>
+          </a:fillRef>
+          <a:effectRef idx="0">
+            <a:schemeClr val="accent1"/>
+          </a:effectRef>
+          <a:fontRef idx="minor">
+            <a:schemeClr val="lt1"/>
+          </a:fontRef>
+        </p:style>
+        <p:txBody>
+          <a:bodyPr rtlCol="0" anchor="ctr"/>
+          <a:lstStyle/>
+          <a:p>
+            <a:pPr algn="ctr"/>
+            <a:endParaRPr lang="da-DK"/>
+          </a:p>
+        </p:txBody>
+      </p:sp>
+      <p:sp>
+        <p:nvSpPr>
+          <p:cNvPr id="3" name="Rektangel 2"/>
+          <p:cNvSpPr/>
+          <p:nvPr/>
+        </p:nvSpPr>
+        <p:spPr>
+          <a:xfrm>
+            <a:off x="1835696" y="2134597"/>
+            <a:ext cx="2603167" cy="4204340"/>
+          </a:xfrm>
+          <a:prstGeom prst="rect">
+            <a:avLst/>
+          </a:prstGeom>
+          <a:solidFill>
+            <a:schemeClr val="tx2">
+              <a:lumMod val="20000"/>
+              <a:lumOff val="80000"/>
+            </a:schemeClr>
+          </a:solidFill>
+          <a:ln>
+            <a:noFill/>
+          </a:ln>
+        </p:spPr>
+        <p:style>
+          <a:lnRef idx="2">
+            <a:schemeClr val="accent1">
+              <a:shade val="50000"/>
+            </a:schemeClr>
+          </a:lnRef>
+          <a:fillRef idx="1">
+            <a:schemeClr val="accent1"/>
+          </a:fillRef>
+          <a:effectRef idx="0">
+            <a:schemeClr val="accent1"/>
+          </a:effectRef>
+          <a:fontRef idx="minor">
+            <a:schemeClr val="lt1"/>
+          </a:fontRef>
+        </p:style>
+        <p:txBody>
+          <a:bodyPr rtlCol="0" anchor="ctr"/>
+          <a:lstStyle/>
+          <a:p>
+            <a:pPr algn="ctr"/>
+            <a:endParaRPr lang="da-DK"/>
+          </a:p>
+        </p:txBody>
+      </p:sp>
+      <p:pic>
+        <p:nvPicPr>
+          <p:cNvPr id="5" name="Picture 4" descr="Image result for mobx"/>
+          <p:cNvPicPr>
+            <a:picLocks noChangeAspect="1" noChangeArrowheads="1"/>
+          </p:cNvPicPr>
+          <p:nvPr/>
+        </p:nvPicPr>
+        <p:blipFill>
+          <a:blip r:embed="rId2" cstate="print">
+            <a:extLst>
+              <a:ext uri="{28A0092B-C50C-407E-A947-70E740481C1C}">
+                <a14:useLocalDpi xmlns:a14="http://schemas.microsoft.com/office/drawing/2010/main" val="0"/>
+              </a:ext>
+            </a:extLst>
+          </a:blip>
+          <a:srcRect/>
+          <a:stretch>
+            <a:fillRect/>
+          </a:stretch>
+        </p:blipFill>
+        <p:spPr bwMode="auto">
+          <a:xfrm>
+            <a:off x="1979712" y="4437112"/>
+            <a:ext cx="1313820" cy="1313820"/>
+          </a:xfrm>
+          <a:prstGeom prst="rect">
+            <a:avLst/>
+          </a:prstGeom>
+          <a:noFill/>
+          <a:extLst>
+            <a:ext uri="{909E8E84-426E-40DD-AFC4-6F175D3DCCD1}">
+              <a14:hiddenFill xmlns:a14="http://schemas.microsoft.com/office/drawing/2010/main">
+                <a:solidFill>
+                  <a:srgbClr val="FFFFFF"/>
+                </a:solidFill>
+              </a14:hiddenFill>
+            </a:ext>
+          </a:extLst>
+        </p:spPr>
+      </p:pic>
+      <p:pic>
+        <p:nvPicPr>
+          <p:cNvPr id="6" name="Picture 8" descr="Image result for redux"/>
+          <p:cNvPicPr>
+            <a:picLocks noChangeAspect="1" noChangeArrowheads="1"/>
+          </p:cNvPicPr>
+          <p:nvPr/>
+        </p:nvPicPr>
+        <p:blipFill>
+          <a:blip r:embed="rId3" cstate="print">
+            <a:extLst>
+              <a:ext uri="{28A0092B-C50C-407E-A947-70E740481C1C}">
+                <a14:useLocalDpi xmlns:a14="http://schemas.microsoft.com/office/drawing/2010/main" val="0"/>
+              </a:ext>
+            </a:extLst>
+          </a:blip>
+          <a:srcRect/>
+          <a:stretch>
+            <a:fillRect/>
+          </a:stretch>
+        </p:blipFill>
+        <p:spPr bwMode="auto">
+          <a:xfrm>
+            <a:off x="5796136" y="4437111"/>
+            <a:ext cx="1368152" cy="1236507"/>
+          </a:xfrm>
+          <a:prstGeom prst="rect">
+            <a:avLst/>
+          </a:prstGeom>
+          <a:noFill/>
+          <a:extLst>
+            <a:ext uri="{909E8E84-426E-40DD-AFC4-6F175D3DCCD1}">
+              <a14:hiddenFill xmlns:a14="http://schemas.microsoft.com/office/drawing/2010/main">
+                <a:solidFill>
+                  <a:srgbClr val="FFFFFF"/>
+                </a:solidFill>
+              </a14:hiddenFill>
+            </a:ext>
+          </a:extLst>
+        </p:spPr>
+      </p:pic>
+      <p:sp>
+        <p:nvSpPr>
+          <p:cNvPr id="7" name="Tekstboks 6"/>
+          <p:cNvSpPr txBox="1"/>
+          <p:nvPr/>
+        </p:nvSpPr>
+        <p:spPr>
+          <a:xfrm>
+            <a:off x="2067680" y="5805264"/>
+            <a:ext cx="1136168" cy="461665"/>
+          </a:xfrm>
+          <a:prstGeom prst="rect">
+            <a:avLst/>
+          </a:prstGeom>
+          <a:noFill/>
+        </p:spPr>
+        <p:txBody>
+          <a:bodyPr wrap="square" rtlCol="0">
+            <a:spAutoFit/>
+          </a:bodyPr>
+          <a:lstStyle/>
+          <a:p>
+            <a:r>
+              <a:rPr lang="en-GB" sz="2400" b="1" dirty="0" smtClean="0"/>
+              <a:t>MobX</a:t>
+            </a:r>
+            <a:endParaRPr lang="en-GB" sz="2400" b="1" dirty="0"/>
+          </a:p>
+        </p:txBody>
+      </p:sp>
+      <p:sp>
+        <p:nvSpPr>
+          <p:cNvPr id="8" name="Tekstboks 7"/>
+          <p:cNvSpPr txBox="1"/>
+          <p:nvPr/>
+        </p:nvSpPr>
+        <p:spPr>
+          <a:xfrm>
+            <a:off x="5912128" y="5830376"/>
+            <a:ext cx="1136168" cy="461665"/>
+          </a:xfrm>
+          <a:prstGeom prst="rect">
+            <a:avLst/>
+          </a:prstGeom>
+          <a:noFill/>
+        </p:spPr>
+        <p:txBody>
+          <a:bodyPr wrap="square" rtlCol="0">
+            <a:spAutoFit/>
+          </a:bodyPr>
+          <a:lstStyle/>
+          <a:p>
+            <a:r>
+              <a:rPr lang="en-GB" sz="2400" b="1" dirty="0" smtClean="0"/>
+              <a:t>Redux</a:t>
+            </a:r>
+          </a:p>
+        </p:txBody>
+      </p:sp>
+      <p:sp>
+        <p:nvSpPr>
+          <p:cNvPr id="9" name="Tekstboks 8"/>
+          <p:cNvSpPr txBox="1"/>
+          <p:nvPr/>
+        </p:nvSpPr>
+        <p:spPr>
+          <a:xfrm>
+            <a:off x="2140821" y="2894588"/>
+            <a:ext cx="668773" cy="523220"/>
+          </a:xfrm>
+          <a:prstGeom prst="rect">
+            <a:avLst/>
+          </a:prstGeom>
+          <a:noFill/>
+        </p:spPr>
+        <p:txBody>
+          <a:bodyPr wrap="none" rtlCol="0">
+            <a:spAutoFit/>
+          </a:bodyPr>
+          <a:lstStyle/>
+          <a:p>
+            <a:r>
+              <a:rPr lang="en-GB" sz="2800" b="1" dirty="0" smtClean="0">
+                <a:solidFill>
+                  <a:schemeClr val="tx2"/>
+                </a:solidFill>
+              </a:rPr>
+              <a:t>OO</a:t>
+            </a:r>
+            <a:endParaRPr lang="en-GB" sz="2800" b="1" dirty="0">
+              <a:solidFill>
+                <a:schemeClr val="tx2"/>
+              </a:solidFill>
+            </a:endParaRPr>
+          </a:p>
+        </p:txBody>
+      </p:sp>
+      <p:sp>
+        <p:nvSpPr>
+          <p:cNvPr id="10" name="Tekstboks 9"/>
+          <p:cNvSpPr txBox="1"/>
+          <p:nvPr/>
+        </p:nvSpPr>
+        <p:spPr>
+          <a:xfrm>
+            <a:off x="5364088" y="2905780"/>
+            <a:ext cx="1749197" cy="523220"/>
+          </a:xfrm>
+          <a:prstGeom prst="rect">
+            <a:avLst/>
+          </a:prstGeom>
+          <a:noFill/>
+        </p:spPr>
+        <p:txBody>
+          <a:bodyPr wrap="none" rtlCol="0">
+            <a:spAutoFit/>
+          </a:bodyPr>
+          <a:lstStyle/>
+          <a:p>
+            <a:r>
+              <a:rPr lang="en-GB" sz="2800" b="1" dirty="0" smtClean="0">
+                <a:solidFill>
+                  <a:schemeClr val="tx2"/>
+                </a:solidFill>
+              </a:rPr>
+              <a:t>Functional</a:t>
+            </a:r>
+            <a:endParaRPr lang="en-GB" sz="2800" b="1" dirty="0">
+              <a:solidFill>
+                <a:schemeClr val="tx2"/>
+              </a:solidFill>
+            </a:endParaRPr>
+          </a:p>
+        </p:txBody>
+      </p:sp>
+      <p:pic>
+        <p:nvPicPr>
+          <p:cNvPr id="11" name="Picture 10" descr="Image result for arrows"/>
+          <p:cNvPicPr>
+            <a:picLocks noChangeAspect="1" noChangeArrowheads="1"/>
+          </p:cNvPicPr>
+          <p:nvPr/>
+        </p:nvPicPr>
+        <p:blipFill>
+          <a:blip r:embed="rId4" cstate="print">
+            <a:extLst>
+              <a:ext uri="{28A0092B-C50C-407E-A947-70E740481C1C}">
+                <a14:useLocalDpi xmlns:a14="http://schemas.microsoft.com/office/drawing/2010/main" val="0"/>
+              </a:ext>
+            </a:extLst>
+          </a:blip>
+          <a:srcRect/>
+          <a:stretch>
+            <a:fillRect/>
+          </a:stretch>
+        </p:blipFill>
+        <p:spPr bwMode="auto">
+          <a:xfrm rot="5176348">
+            <a:off x="4070020" y="3085904"/>
+            <a:ext cx="2385468" cy="1495861"/>
+          </a:xfrm>
+          <a:prstGeom prst="rect">
+            <a:avLst/>
+          </a:prstGeom>
+          <a:noFill/>
+          <a:extLst>
+            <a:ext uri="{909E8E84-426E-40DD-AFC4-6F175D3DCCD1}">
+              <a14:hiddenFill xmlns:a14="http://schemas.microsoft.com/office/drawing/2010/main">
+                <a:solidFill>
+                  <a:srgbClr val="FFFFFF"/>
+                </a:solidFill>
+              </a14:hiddenFill>
+            </a:ext>
+          </a:extLst>
+        </p:spPr>
+      </p:pic>
+      <p:pic>
+        <p:nvPicPr>
+          <p:cNvPr id="12" name="Picture 10" descr="Image result for arrows"/>
+          <p:cNvPicPr>
+            <a:picLocks noChangeAspect="1" noChangeArrowheads="1"/>
+          </p:cNvPicPr>
+          <p:nvPr/>
+        </p:nvPicPr>
+        <p:blipFill>
+          <a:blip r:embed="rId5" cstate="print">
+            <a:extLst>
+              <a:ext uri="{28A0092B-C50C-407E-A947-70E740481C1C}">
+                <a14:useLocalDpi xmlns:a14="http://schemas.microsoft.com/office/drawing/2010/main" val="0"/>
+              </a:ext>
+            </a:extLst>
+          </a:blip>
+          <a:srcRect/>
+          <a:stretch>
+            <a:fillRect/>
+          </a:stretch>
+        </p:blipFill>
+        <p:spPr bwMode="auto">
+          <a:xfrm rot="5176348" flipV="1">
+            <a:off x="2621463" y="3301109"/>
+            <a:ext cx="2385468" cy="1219085"/>
+          </a:xfrm>
+          <a:prstGeom prst="rect">
+            <a:avLst/>
+          </a:prstGeom>
+          <a:noFill/>
+          <a:extLst>
+            <a:ext uri="{909E8E84-426E-40DD-AFC4-6F175D3DCCD1}">
+              <a14:hiddenFill xmlns:a14="http://schemas.microsoft.com/office/drawing/2010/main">
+                <a:solidFill>
+                  <a:srgbClr val="FFFFFF"/>
+                </a:solidFill>
+              </a14:hiddenFill>
+            </a:ext>
+          </a:extLst>
+        </p:spPr>
+      </p:pic>
+      <p:sp>
+        <p:nvSpPr>
+          <p:cNvPr id="4" name="Tekstboks 3"/>
+          <p:cNvSpPr txBox="1"/>
+          <p:nvPr/>
+        </p:nvSpPr>
+        <p:spPr>
+          <a:xfrm>
+            <a:off x="3347864" y="2134597"/>
+            <a:ext cx="2160240" cy="646331"/>
+          </a:xfrm>
+          <a:prstGeom prst="rect">
+            <a:avLst/>
+          </a:prstGeom>
+          <a:solidFill>
+            <a:schemeClr val="tx2">
+              <a:lumMod val="40000"/>
+              <a:lumOff val="60000"/>
+            </a:schemeClr>
+          </a:solidFill>
+        </p:spPr>
+        <p:txBody>
+          <a:bodyPr wrap="square" rtlCol="0">
+            <a:spAutoFit/>
+          </a:bodyPr>
+          <a:lstStyle/>
+          <a:p>
+            <a:r>
+              <a:rPr lang="en-GB" sz="3600" b="1" dirty="0" smtClean="0"/>
+              <a:t>Paradigms</a:t>
+            </a:r>
+            <a:endParaRPr lang="en-GB" sz="3600" b="1" dirty="0"/>
+          </a:p>
+        </p:txBody>
+      </p:sp>
+    </p:spTree>
+    <p:extLst>
+      <p:ext uri="{BB962C8B-B14F-4D97-AF65-F5344CB8AC3E}">
+        <p14:creationId xmlns:p14="http://schemas.microsoft.com/office/powerpoint/2010/main" val="2575484583"/>
+      </p:ext>
+    </p:extLst>
+  </p:cSld>
+  <p:clrMapOvr>
+    <a:masterClrMapping/>
+  </p:clrMapOvr>
+</p:sld>
+</file>
+
+<file path=ppt/slides/slide7.xml><?xml version="1.0" encoding="utf-8"?>
+<p:sld xmlns:a="http://schemas.openxmlformats.org/drawingml/2006/main" xmlns:r="http://schemas.openxmlformats.org/officeDocument/2006/relationships" xmlns:p="http://schemas.openxmlformats.org/presentationml/2006/main">
+  <p:cSld>
+    <p:spTree>
+      <p:nvGrpSpPr>
+        <p:cNvPr id="1" name=""/>
+        <p:cNvGrpSpPr/>
+        <p:nvPr/>
+      </p:nvGrpSpPr>
+      <p:grpSpPr>
+        <a:xfrm>
+          <a:off x="0" y="0"/>
+          <a:ext cx="0" cy="0"/>
+          <a:chOff x="0" y="0"/>
+          <a:chExt cx="0" cy="0"/>
+        </a:xfrm>
+      </p:grpSpPr>
+      <p:sp>
+        <p:nvSpPr>
+          <p:cNvPr id="3" name="Tekstboks 2"/>
+          <p:cNvSpPr txBox="1"/>
+          <p:nvPr/>
+        </p:nvSpPr>
+        <p:spPr>
+          <a:xfrm>
+            <a:off x="3059832" y="2210961"/>
+            <a:ext cx="3744416" cy="353943"/>
+          </a:xfrm>
+          <a:prstGeom prst="rect">
+            <a:avLst/>
+          </a:prstGeom>
+        </p:spPr>
+        <p:style>
+          <a:lnRef idx="1">
+            <a:schemeClr val="accent3"/>
+          </a:lnRef>
+          <a:fillRef idx="2">
+            <a:schemeClr val="accent3"/>
+          </a:fillRef>
+          <a:effectRef idx="1">
+            <a:schemeClr val="accent3"/>
+          </a:effectRef>
+          <a:fontRef idx="minor">
+            <a:schemeClr val="dk1"/>
+          </a:fontRef>
+        </p:style>
+        <p:txBody>
+          <a:bodyPr wrap="square" rtlCol="0">
+            <a:spAutoFit/>
+          </a:bodyPr>
+          <a:lstStyle/>
+          <a:p>
+            <a:r>
+              <a:rPr lang="en-GB" sz="1700" dirty="0" smtClean="0"/>
+              <a:t>Mark a class component as an observer</a:t>
+            </a:r>
+            <a:endParaRPr lang="en-GB" sz="1700" dirty="0">
+              <a:latin typeface="Consolas" panose="020B0609020204030204" pitchFamily="49" charset="0"/>
+              <a:cs typeface="Consolas" panose="020B0609020204030204" pitchFamily="49" charset="0"/>
+            </a:endParaRPr>
+          </a:p>
+        </p:txBody>
+      </p:sp>
+      <p:sp>
+        <p:nvSpPr>
+          <p:cNvPr id="4" name="Rektangel 3"/>
+          <p:cNvSpPr/>
+          <p:nvPr/>
+        </p:nvSpPr>
+        <p:spPr>
+          <a:xfrm>
+            <a:off x="1547664" y="1582341"/>
+            <a:ext cx="5310336" cy="3416320"/>
+          </a:xfrm>
+          <a:prstGeom prst="rect">
+            <a:avLst/>
+          </a:prstGeom>
+        </p:spPr>
+        <p:txBody>
+          <a:bodyPr wrap="square">
+            <a:spAutoFit/>
+          </a:bodyPr>
+          <a:lstStyle/>
+          <a:p>
+            <a:r>
+              <a:rPr lang="da-DK" dirty="0">
+                <a:solidFill>
+                  <a:srgbClr val="AF00DB"/>
+                </a:solidFill>
+                <a:latin typeface="Consolas"/>
+              </a:rPr>
+              <a:t>import</a:t>
+            </a:r>
+            <a:r>
+              <a:rPr lang="da-DK" dirty="0">
+                <a:solidFill>
+                  <a:srgbClr val="000000"/>
+                </a:solidFill>
+                <a:latin typeface="Consolas"/>
+              </a:rPr>
+              <a:t> {</a:t>
+            </a:r>
+            <a:r>
+              <a:rPr lang="da-DK" dirty="0">
+                <a:solidFill>
+                  <a:srgbClr val="001080"/>
+                </a:solidFill>
+                <a:latin typeface="Consolas"/>
+              </a:rPr>
+              <a:t> observer</a:t>
+            </a:r>
+            <a:r>
+              <a:rPr lang="da-DK" dirty="0">
+                <a:solidFill>
+                  <a:srgbClr val="000000"/>
+                </a:solidFill>
+                <a:latin typeface="Consolas"/>
+              </a:rPr>
+              <a:t> }</a:t>
+            </a:r>
+            <a:r>
+              <a:rPr lang="da-DK" dirty="0">
+                <a:solidFill>
+                  <a:srgbClr val="AF00DB"/>
+                </a:solidFill>
+                <a:latin typeface="Consolas"/>
+              </a:rPr>
+              <a:t> from</a:t>
+            </a:r>
+            <a:r>
+              <a:rPr lang="da-DK" dirty="0">
+                <a:solidFill>
+                  <a:srgbClr val="000000"/>
+                </a:solidFill>
+                <a:latin typeface="Consolas"/>
+              </a:rPr>
+              <a:t> </a:t>
+            </a:r>
+            <a:r>
+              <a:rPr lang="da-DK" dirty="0">
+                <a:solidFill>
+                  <a:srgbClr val="A31515"/>
+                </a:solidFill>
+                <a:latin typeface="Consolas"/>
+              </a:rPr>
+              <a:t>"</a:t>
+            </a:r>
+            <a:r>
+              <a:rPr lang="da-DK" dirty="0" err="1">
+                <a:solidFill>
+                  <a:srgbClr val="A31515"/>
+                </a:solidFill>
+                <a:latin typeface="Consolas"/>
+              </a:rPr>
+              <a:t>mobx-react</a:t>
+            </a:r>
+            <a:r>
+              <a:rPr lang="da-DK" dirty="0">
+                <a:solidFill>
+                  <a:srgbClr val="A31515"/>
+                </a:solidFill>
+                <a:latin typeface="Consolas"/>
+              </a:rPr>
+              <a:t>"</a:t>
+            </a:r>
+            <a:r>
+              <a:rPr lang="da-DK" dirty="0">
+                <a:solidFill>
+                  <a:srgbClr val="000000"/>
+                </a:solidFill>
+                <a:latin typeface="Consolas"/>
+              </a:rPr>
+              <a:t>;</a:t>
+            </a:r>
+          </a:p>
+          <a:p>
+            <a:endParaRPr lang="da-DK" dirty="0" smtClean="0">
+              <a:solidFill>
+                <a:srgbClr val="000000"/>
+              </a:solidFill>
+              <a:latin typeface="Consolas"/>
+            </a:endParaRPr>
+          </a:p>
+          <a:p>
+            <a:r>
+              <a:rPr lang="da-DK" dirty="0">
+                <a:solidFill>
+                  <a:srgbClr val="000000"/>
+                </a:solidFill>
+                <a:latin typeface="Consolas"/>
+              </a:rPr>
+              <a:t/>
+            </a:r>
+            <a:br>
+              <a:rPr lang="da-DK" dirty="0">
+                <a:solidFill>
+                  <a:srgbClr val="000000"/>
+                </a:solidFill>
+                <a:latin typeface="Consolas"/>
+              </a:rPr>
+            </a:br>
+            <a:r>
+              <a:rPr lang="da-DK" dirty="0">
+                <a:solidFill>
+                  <a:srgbClr val="800000"/>
+                </a:solidFill>
+                <a:latin typeface="Consolas"/>
+              </a:rPr>
+              <a:t>@observer</a:t>
+            </a:r>
+            <a:endParaRPr lang="da-DK" dirty="0">
+              <a:solidFill>
+                <a:srgbClr val="000000"/>
+              </a:solidFill>
+              <a:latin typeface="Consolas"/>
+            </a:endParaRPr>
+          </a:p>
+          <a:p>
+            <a:r>
+              <a:rPr lang="da-DK" dirty="0" err="1">
+                <a:solidFill>
+                  <a:srgbClr val="0000FF"/>
+                </a:solidFill>
+                <a:latin typeface="Consolas"/>
+              </a:rPr>
+              <a:t>class</a:t>
+            </a:r>
+            <a:r>
+              <a:rPr lang="da-DK" dirty="0">
+                <a:solidFill>
+                  <a:srgbClr val="000000"/>
+                </a:solidFill>
+                <a:latin typeface="Consolas"/>
+              </a:rPr>
+              <a:t> </a:t>
+            </a:r>
+            <a:r>
+              <a:rPr lang="da-DK" dirty="0" err="1">
+                <a:solidFill>
+                  <a:srgbClr val="267F99"/>
+                </a:solidFill>
+                <a:latin typeface="Consolas"/>
+              </a:rPr>
+              <a:t>TodoList</a:t>
+            </a:r>
+            <a:r>
+              <a:rPr lang="da-DK" dirty="0">
+                <a:solidFill>
+                  <a:srgbClr val="000000"/>
+                </a:solidFill>
+                <a:latin typeface="Consolas"/>
+              </a:rPr>
+              <a:t> </a:t>
+            </a:r>
+            <a:r>
+              <a:rPr lang="da-DK" dirty="0" err="1">
+                <a:solidFill>
+                  <a:srgbClr val="0000FF"/>
+                </a:solidFill>
+                <a:latin typeface="Consolas"/>
+              </a:rPr>
+              <a:t>extends</a:t>
+            </a:r>
+            <a:r>
+              <a:rPr lang="da-DK" dirty="0">
+                <a:solidFill>
+                  <a:srgbClr val="000000"/>
+                </a:solidFill>
+                <a:latin typeface="Consolas"/>
+              </a:rPr>
+              <a:t> </a:t>
+            </a:r>
+            <a:r>
+              <a:rPr lang="da-DK" dirty="0" err="1">
+                <a:solidFill>
+                  <a:srgbClr val="267F99"/>
+                </a:solidFill>
+                <a:latin typeface="Consolas"/>
+              </a:rPr>
+              <a:t>React</a:t>
+            </a:r>
+            <a:r>
+              <a:rPr lang="da-DK" dirty="0" err="1">
+                <a:solidFill>
+                  <a:srgbClr val="000000"/>
+                </a:solidFill>
+                <a:latin typeface="Consolas"/>
+              </a:rPr>
+              <a:t>.</a:t>
+            </a:r>
+            <a:r>
+              <a:rPr lang="da-DK" dirty="0" err="1">
+                <a:solidFill>
+                  <a:srgbClr val="001080"/>
+                </a:solidFill>
+                <a:latin typeface="Consolas"/>
+              </a:rPr>
+              <a:t>Component</a:t>
+            </a:r>
+            <a:r>
+              <a:rPr lang="da-DK" dirty="0">
+                <a:solidFill>
+                  <a:srgbClr val="000000"/>
+                </a:solidFill>
+                <a:latin typeface="Consolas"/>
+              </a:rPr>
+              <a:t> {</a:t>
+            </a:r>
+          </a:p>
+          <a:p>
+            <a:r>
+              <a:rPr lang="da-DK" dirty="0">
+                <a:solidFill>
+                  <a:srgbClr val="000000"/>
+                </a:solidFill>
+                <a:latin typeface="Consolas"/>
+              </a:rPr>
+              <a:t>...</a:t>
+            </a:r>
+          </a:p>
+          <a:p>
+            <a:r>
+              <a:rPr lang="da-DK" dirty="0">
+                <a:solidFill>
+                  <a:srgbClr val="000000"/>
+                </a:solidFill>
+                <a:latin typeface="Consolas"/>
+              </a:rPr>
+              <a:t>}</a:t>
+            </a:r>
+          </a:p>
+          <a:p>
+            <a:r>
+              <a:rPr lang="da-DK" dirty="0">
+                <a:solidFill>
+                  <a:srgbClr val="000000"/>
+                </a:solidFill>
+                <a:latin typeface="Consolas"/>
+              </a:rPr>
+              <a:t/>
+            </a:r>
+            <a:br>
+              <a:rPr lang="da-DK" dirty="0">
+                <a:solidFill>
+                  <a:srgbClr val="000000"/>
+                </a:solidFill>
+                <a:latin typeface="Consolas"/>
+              </a:rPr>
+            </a:br>
+            <a:r>
+              <a:rPr lang="da-DK" dirty="0">
+                <a:solidFill>
+                  <a:srgbClr val="000000"/>
+                </a:solidFill>
+                <a:latin typeface="Consolas"/>
+              </a:rPr>
+              <a:t/>
+            </a:r>
+            <a:br>
+              <a:rPr lang="da-DK" dirty="0">
+                <a:solidFill>
+                  <a:srgbClr val="000000"/>
+                </a:solidFill>
+                <a:latin typeface="Consolas"/>
+              </a:rPr>
+            </a:br>
+            <a:r>
+              <a:rPr lang="da-DK" dirty="0" err="1">
+                <a:solidFill>
+                  <a:srgbClr val="001080"/>
+                </a:solidFill>
+                <a:latin typeface="Consolas"/>
+              </a:rPr>
+              <a:t>TodoList</a:t>
+            </a:r>
+            <a:r>
+              <a:rPr lang="da-DK" dirty="0">
+                <a:solidFill>
+                  <a:srgbClr val="000000"/>
+                </a:solidFill>
+                <a:latin typeface="Consolas"/>
+              </a:rPr>
+              <a:t> = </a:t>
+            </a:r>
+            <a:r>
+              <a:rPr lang="da-DK" dirty="0">
+                <a:solidFill>
+                  <a:srgbClr val="795E26"/>
+                </a:solidFill>
+                <a:latin typeface="Consolas"/>
+              </a:rPr>
+              <a:t>observer</a:t>
+            </a:r>
+            <a:r>
+              <a:rPr lang="da-DK" dirty="0">
+                <a:solidFill>
+                  <a:srgbClr val="000000"/>
+                </a:solidFill>
+                <a:latin typeface="Consolas"/>
+              </a:rPr>
+              <a:t> ((</a:t>
+            </a:r>
+            <a:r>
+              <a:rPr lang="da-DK" dirty="0">
+                <a:solidFill>
+                  <a:srgbClr val="001080"/>
+                </a:solidFill>
+                <a:latin typeface="Consolas"/>
+              </a:rPr>
+              <a:t>props</a:t>
+            </a:r>
+            <a:r>
+              <a:rPr lang="da-DK" dirty="0">
+                <a:solidFill>
+                  <a:srgbClr val="000000"/>
+                </a:solidFill>
+                <a:latin typeface="Consolas"/>
+              </a:rPr>
+              <a:t>) </a:t>
+            </a:r>
+            <a:r>
+              <a:rPr lang="da-DK" dirty="0">
+                <a:solidFill>
+                  <a:srgbClr val="0000FF"/>
+                </a:solidFill>
+                <a:latin typeface="Consolas"/>
+              </a:rPr>
+              <a:t>=&gt;</a:t>
+            </a:r>
+            <a:r>
+              <a:rPr lang="da-DK" dirty="0">
+                <a:solidFill>
+                  <a:srgbClr val="000000"/>
+                </a:solidFill>
+                <a:latin typeface="Consolas"/>
+              </a:rPr>
+              <a:t> {</a:t>
+            </a:r>
+          </a:p>
+          <a:p>
+            <a:r>
+              <a:rPr lang="da-DK" dirty="0">
+                <a:solidFill>
+                  <a:srgbClr val="000000"/>
+                </a:solidFill>
+                <a:latin typeface="Consolas"/>
+              </a:rPr>
+              <a:t/>
+            </a:r>
+            <a:br>
+              <a:rPr lang="da-DK" dirty="0">
+                <a:solidFill>
+                  <a:srgbClr val="000000"/>
+                </a:solidFill>
+                <a:latin typeface="Consolas"/>
+              </a:rPr>
+            </a:br>
+            <a:r>
+              <a:rPr lang="da-DK" dirty="0">
+                <a:solidFill>
+                  <a:srgbClr val="000000"/>
+                </a:solidFill>
+                <a:latin typeface="Consolas"/>
+              </a:rPr>
+              <a:t>})</a:t>
+            </a:r>
+            <a:endParaRPr lang="da-DK" b="0" dirty="0">
+              <a:solidFill>
+                <a:srgbClr val="000000"/>
+              </a:solidFill>
+              <a:effectLst/>
+              <a:latin typeface="Consolas"/>
+            </a:endParaRPr>
+          </a:p>
+        </p:txBody>
+      </p:sp>
+      <p:sp>
+        <p:nvSpPr>
+          <p:cNvPr id="5" name="Tekstboks 4"/>
+          <p:cNvSpPr txBox="1"/>
+          <p:nvPr/>
+        </p:nvSpPr>
+        <p:spPr>
+          <a:xfrm>
+            <a:off x="2667040" y="3692644"/>
+            <a:ext cx="4176464" cy="353943"/>
+          </a:xfrm>
+          <a:prstGeom prst="rect">
+            <a:avLst/>
+          </a:prstGeom>
+        </p:spPr>
+        <p:style>
+          <a:lnRef idx="1">
+            <a:schemeClr val="accent3"/>
+          </a:lnRef>
+          <a:fillRef idx="2">
+            <a:schemeClr val="accent3"/>
+          </a:fillRef>
+          <a:effectRef idx="1">
+            <a:schemeClr val="accent3"/>
+          </a:effectRef>
+          <a:fontRef idx="minor">
+            <a:schemeClr val="dk1"/>
+          </a:fontRef>
+        </p:style>
+        <p:txBody>
+          <a:bodyPr wrap="square" rtlCol="0">
+            <a:spAutoFit/>
+          </a:bodyPr>
+          <a:lstStyle/>
+          <a:p>
+            <a:r>
+              <a:rPr lang="en-GB" sz="1700" dirty="0" smtClean="0"/>
+              <a:t>Mark a functional component as an observer</a:t>
+            </a:r>
+            <a:endParaRPr lang="en-GB" sz="1700" dirty="0">
+              <a:latin typeface="Consolas" panose="020B0609020204030204" pitchFamily="49" charset="0"/>
+              <a:cs typeface="Consolas" panose="020B0609020204030204" pitchFamily="49" charset="0"/>
+            </a:endParaRPr>
+          </a:p>
+        </p:txBody>
+      </p:sp>
+    </p:spTree>
+    <p:extLst>
+      <p:ext uri="{BB962C8B-B14F-4D97-AF65-F5344CB8AC3E}">
+        <p14:creationId xmlns:p14="http://schemas.microsoft.com/office/powerpoint/2010/main" val="1032973503"/>
+      </p:ext>
+    </p:extLst>
+  </p:cSld>
+  <p:clrMapOvr>
+    <a:masterClrMapping/>
+  </p:clrMapOvr>
+</p:sld>
+</file>
+
+<file path=ppt/slides/slide8.xml><?xml version="1.0" encoding="utf-8"?>
+<p:sld xmlns:a="http://schemas.openxmlformats.org/drawingml/2006/main" xmlns:r="http://schemas.openxmlformats.org/officeDocument/2006/relationships" xmlns:p="http://schemas.openxmlformats.org/presentationml/2006/main">
+  <p:cSld>
+    <p:spTree>
+      <p:nvGrpSpPr>
+        <p:cNvPr id="1" name=""/>
+        <p:cNvGrpSpPr/>
+        <p:nvPr/>
+      </p:nvGrpSpPr>
+      <p:grpSpPr>
+        <a:xfrm>
+          <a:off x="0" y="0"/>
+          <a:ext cx="0" cy="0"/>
+          <a:chOff x="0" y="0"/>
+          <a:chExt cx="0" cy="0"/>
+        </a:xfrm>
+      </p:grpSpPr>
+      <p:pic>
+        <p:nvPicPr>
+          <p:cNvPr id="1026" name="Picture 2" descr="http://localhost:3001/state/images/redux-flow-chart.png"/>
+          <p:cNvPicPr>
+            <a:picLocks noChangeAspect="1" noChangeArrowheads="1"/>
+          </p:cNvPicPr>
+          <p:nvPr/>
+        </p:nvPicPr>
+        <p:blipFill>
+          <a:blip r:embed="rId2">
+            <a:extLst>
+              <a:ext uri="{28A0092B-C50C-407E-A947-70E740481C1C}">
+                <a14:useLocalDpi xmlns:a14="http://schemas.microsoft.com/office/drawing/2010/main" val="0"/>
+              </a:ext>
+            </a:extLst>
+          </a:blip>
+          <a:srcRect/>
+          <a:stretch>
+            <a:fillRect/>
+          </a:stretch>
+        </p:blipFill>
+        <p:spPr bwMode="auto">
+          <a:xfrm>
+            <a:off x="1475656" y="1988840"/>
+            <a:ext cx="6543675" cy="3143250"/>
+          </a:xfrm>
+          <a:prstGeom prst="rect">
+            <a:avLst/>
+          </a:prstGeom>
+          <a:noFill/>
+          <a:extLst>
+            <a:ext uri="{909E8E84-426E-40DD-AFC4-6F175D3DCCD1}">
+              <a14:hiddenFill xmlns:a14="http://schemas.microsoft.com/office/drawing/2010/main">
+                <a:solidFill>
+                  <a:srgbClr val="FFFFFF"/>
+                </a:solidFill>
+              </a14:hiddenFill>
+            </a:ext>
+          </a:extLst>
+        </p:spPr>
+      </p:pic>
+      <p:pic>
+        <p:nvPicPr>
+          <p:cNvPr id="1028" name="Picture 4" descr="Image result for arrow circle "/>
+          <p:cNvPicPr>
+            <a:picLocks noChangeAspect="1" noChangeArrowheads="1"/>
+          </p:cNvPicPr>
+          <p:nvPr/>
+        </p:nvPicPr>
+        <p:blipFill>
+          <a:blip r:embed="rId3" cstate="print">
+            <a:extLst>
+              <a:ext uri="{28A0092B-C50C-407E-A947-70E740481C1C}">
+                <a14:useLocalDpi xmlns:a14="http://schemas.microsoft.com/office/drawing/2010/main" val="0"/>
+              </a:ext>
+            </a:extLst>
+          </a:blip>
+          <a:srcRect/>
+          <a:stretch>
+            <a:fillRect/>
+          </a:stretch>
+        </p:blipFill>
+        <p:spPr bwMode="auto">
+          <a:xfrm>
+            <a:off x="1475656" y="908720"/>
+            <a:ext cx="1509663" cy="1507147"/>
+          </a:xfrm>
+          <a:prstGeom prst="rect">
+            <a:avLst/>
+          </a:prstGeom>
+          <a:noFill/>
+          <a:extLst>
+            <a:ext uri="{909E8E84-426E-40DD-AFC4-6F175D3DCCD1}">
+              <a14:hiddenFill xmlns:a14="http://schemas.microsoft.com/office/drawing/2010/main">
+                <a:solidFill>
+                  <a:srgbClr val="FFFFFF"/>
+                </a:solidFill>
+              </a14:hiddenFill>
+            </a:ext>
+          </a:extLst>
+        </p:spPr>
+      </p:pic>
+      <p:pic>
+        <p:nvPicPr>
+          <p:cNvPr id="1030" name="Picture 6" descr="Image result for arrow circle"/>
+          <p:cNvPicPr>
+            <a:picLocks noChangeAspect="1" noChangeArrowheads="1"/>
+          </p:cNvPicPr>
+          <p:nvPr/>
+        </p:nvPicPr>
+        <p:blipFill>
+          <a:blip r:embed="rId4" cstate="print">
+            <a:extLst>
+              <a:ext uri="{28A0092B-C50C-407E-A947-70E740481C1C}">
+                <a14:useLocalDpi xmlns:a14="http://schemas.microsoft.com/office/drawing/2010/main" val="0"/>
+              </a:ext>
+            </a:extLst>
+          </a:blip>
+          <a:srcRect/>
+          <a:stretch>
+            <a:fillRect/>
+          </a:stretch>
+        </p:blipFill>
+        <p:spPr bwMode="auto">
+          <a:xfrm>
+            <a:off x="5004048" y="2708920"/>
+            <a:ext cx="1408684" cy="1408684"/>
+          </a:xfrm>
+          <a:prstGeom prst="rect">
+            <a:avLst/>
+          </a:prstGeom>
+          <a:noFill/>
+          <a:extLst>
+            <a:ext uri="{909E8E84-426E-40DD-AFC4-6F175D3DCCD1}">
+              <a14:hiddenFill xmlns:a14="http://schemas.microsoft.com/office/drawing/2010/main">
+                <a:solidFill>
+                  <a:srgbClr val="FFFFFF"/>
+                </a:solidFill>
+              </a14:hiddenFill>
+            </a:ext>
+          </a:extLst>
+        </p:spPr>
+      </p:pic>
+    </p:spTree>
+    <p:extLst>
+      <p:ext uri="{BB962C8B-B14F-4D97-AF65-F5344CB8AC3E}">
+        <p14:creationId xmlns:p14="http://schemas.microsoft.com/office/powerpoint/2010/main" val="123977255"/>
       </p:ext>
     </p:extLst>
   </p:cSld>

--- a/public/state/ppImages.pptx
+++ b/public/state/ppImages.pptx
@@ -6,13 +6,11 @@
   </p:sldMasterIdLst>
   <p:sldIdLst>
     <p:sldId id="256" r:id="rId2"/>
-    <p:sldId id="259" r:id="rId3"/>
-    <p:sldId id="258" r:id="rId4"/>
-    <p:sldId id="257" r:id="rId5"/>
-    <p:sldId id="260" r:id="rId6"/>
-    <p:sldId id="261" r:id="rId7"/>
-    <p:sldId id="262" r:id="rId8"/>
-    <p:sldId id="263" r:id="rId9"/>
+    <p:sldId id="261" r:id="rId3"/>
+    <p:sldId id="259" r:id="rId4"/>
+    <p:sldId id="258" r:id="rId5"/>
+    <p:sldId id="257" r:id="rId6"/>
+    <p:sldId id="260" r:id="rId7"/>
   </p:sldIdLst>
   <p:sldSz cx="9144000" cy="6858000" type="screen4x3"/>
   <p:notesSz cx="6858000" cy="9144000"/>
@@ -295,7 +293,7 @@
           <a:p>
             <a:fld id="{AF15CE1E-802D-42E9-9474-6053072FD654}" type="datetimeFigureOut">
               <a:rPr lang="da-DK" smtClean="0"/>
-              <a:t>21-11-2017</a:t>
+              <a:t>20-11-2017</a:t>
             </a:fld>
             <a:endParaRPr lang="da-DK"/>
           </a:p>
@@ -465,7 +463,7 @@
           <a:p>
             <a:fld id="{AF15CE1E-802D-42E9-9474-6053072FD654}" type="datetimeFigureOut">
               <a:rPr lang="da-DK" smtClean="0"/>
-              <a:t>21-11-2017</a:t>
+              <a:t>20-11-2017</a:t>
             </a:fld>
             <a:endParaRPr lang="da-DK"/>
           </a:p>
@@ -645,7 +643,7 @@
           <a:p>
             <a:fld id="{AF15CE1E-802D-42E9-9474-6053072FD654}" type="datetimeFigureOut">
               <a:rPr lang="da-DK" smtClean="0"/>
-              <a:t>21-11-2017</a:t>
+              <a:t>20-11-2017</a:t>
             </a:fld>
             <a:endParaRPr lang="da-DK"/>
           </a:p>
@@ -815,7 +813,7 @@
           <a:p>
             <a:fld id="{AF15CE1E-802D-42E9-9474-6053072FD654}" type="datetimeFigureOut">
               <a:rPr lang="da-DK" smtClean="0"/>
-              <a:t>21-11-2017</a:t>
+              <a:t>20-11-2017</a:t>
             </a:fld>
             <a:endParaRPr lang="da-DK"/>
           </a:p>
@@ -1061,7 +1059,7 @@
           <a:p>
             <a:fld id="{AF15CE1E-802D-42E9-9474-6053072FD654}" type="datetimeFigureOut">
               <a:rPr lang="da-DK" smtClean="0"/>
-              <a:t>21-11-2017</a:t>
+              <a:t>20-11-2017</a:t>
             </a:fld>
             <a:endParaRPr lang="da-DK"/>
           </a:p>
@@ -1349,7 +1347,7 @@
           <a:p>
             <a:fld id="{AF15CE1E-802D-42E9-9474-6053072FD654}" type="datetimeFigureOut">
               <a:rPr lang="da-DK" smtClean="0"/>
-              <a:t>21-11-2017</a:t>
+              <a:t>20-11-2017</a:t>
             </a:fld>
             <a:endParaRPr lang="da-DK"/>
           </a:p>
@@ -1771,7 +1769,7 @@
           <a:p>
             <a:fld id="{AF15CE1E-802D-42E9-9474-6053072FD654}" type="datetimeFigureOut">
               <a:rPr lang="da-DK" smtClean="0"/>
-              <a:t>21-11-2017</a:t>
+              <a:t>20-11-2017</a:t>
             </a:fld>
             <a:endParaRPr lang="da-DK"/>
           </a:p>
@@ -1889,7 +1887,7 @@
           <a:p>
             <a:fld id="{AF15CE1E-802D-42E9-9474-6053072FD654}" type="datetimeFigureOut">
               <a:rPr lang="da-DK" smtClean="0"/>
-              <a:t>21-11-2017</a:t>
+              <a:t>20-11-2017</a:t>
             </a:fld>
             <a:endParaRPr lang="da-DK"/>
           </a:p>
@@ -1984,7 +1982,7 @@
           <a:p>
             <a:fld id="{AF15CE1E-802D-42E9-9474-6053072FD654}" type="datetimeFigureOut">
               <a:rPr lang="da-DK" smtClean="0"/>
-              <a:t>21-11-2017</a:t>
+              <a:t>20-11-2017</a:t>
             </a:fld>
             <a:endParaRPr lang="da-DK"/>
           </a:p>
@@ -2261,7 +2259,7 @@
           <a:p>
             <a:fld id="{AF15CE1E-802D-42E9-9474-6053072FD654}" type="datetimeFigureOut">
               <a:rPr lang="da-DK" smtClean="0"/>
-              <a:t>21-11-2017</a:t>
+              <a:t>20-11-2017</a:t>
             </a:fld>
             <a:endParaRPr lang="da-DK"/>
           </a:p>
@@ -2514,7 +2512,7 @@
           <a:p>
             <a:fld id="{AF15CE1E-802D-42E9-9474-6053072FD654}" type="datetimeFigureOut">
               <a:rPr lang="da-DK" smtClean="0"/>
-              <a:t>21-11-2017</a:t>
+              <a:t>20-11-2017</a:t>
             </a:fld>
             <a:endParaRPr lang="da-DK"/>
           </a:p>
@@ -2727,7 +2725,7 @@
           <a:p>
             <a:fld id="{AF15CE1E-802D-42E9-9474-6053072FD654}" type="datetimeFigureOut">
               <a:rPr lang="da-DK" smtClean="0"/>
-              <a:t>21-11-2017</a:t>
+              <a:t>20-11-2017</a:t>
             </a:fld>
             <a:endParaRPr lang="da-DK"/>
           </a:p>
@@ -3754,6 +3752,538 @@
         </p:nvSpPr>
         <p:spPr>
           <a:xfrm>
+            <a:off x="3710381" y="2764677"/>
+            <a:ext cx="2160240" cy="1008112"/>
+          </a:xfrm>
+          <a:prstGeom prst="roundRect">
+            <a:avLst/>
+          </a:prstGeom>
+        </p:spPr>
+        <p:style>
+          <a:lnRef idx="2">
+            <a:schemeClr val="accent1">
+              <a:shade val="50000"/>
+            </a:schemeClr>
+          </a:lnRef>
+          <a:fillRef idx="1">
+            <a:schemeClr val="accent1"/>
+          </a:fillRef>
+          <a:effectRef idx="0">
+            <a:schemeClr val="accent1"/>
+          </a:effectRef>
+          <a:fontRef idx="minor">
+            <a:schemeClr val="lt1"/>
+          </a:fontRef>
+        </p:style>
+        <p:txBody>
+          <a:bodyPr rtlCol="0" anchor="ctr"/>
+          <a:lstStyle/>
+          <a:p>
+            <a:pPr algn="ctr"/>
+            <a:r>
+              <a:rPr lang="en-GB" sz="3000" b="1" dirty="0" smtClean="0"/>
+              <a:t>Todo Store</a:t>
+            </a:r>
+            <a:endParaRPr lang="en-GB" sz="3000" b="1" dirty="0"/>
+          </a:p>
+        </p:txBody>
+      </p:sp>
+      <p:sp>
+        <p:nvSpPr>
+          <p:cNvPr id="38" name="Afrundet rektangel 37"/>
+          <p:cNvSpPr/>
+          <p:nvPr/>
+        </p:nvSpPr>
+        <p:spPr>
+          <a:xfrm>
+            <a:off x="3966801" y="340316"/>
+            <a:ext cx="2160240" cy="1008112"/>
+          </a:xfrm>
+          <a:prstGeom prst="roundRect">
+            <a:avLst/>
+          </a:prstGeom>
+        </p:spPr>
+        <p:style>
+          <a:lnRef idx="2">
+            <a:schemeClr val="accent3">
+              <a:shade val="50000"/>
+            </a:schemeClr>
+          </a:lnRef>
+          <a:fillRef idx="1">
+            <a:schemeClr val="accent3"/>
+          </a:fillRef>
+          <a:effectRef idx="0">
+            <a:schemeClr val="accent3"/>
+          </a:effectRef>
+          <a:fontRef idx="minor">
+            <a:schemeClr val="lt1"/>
+          </a:fontRef>
+        </p:style>
+        <p:txBody>
+          <a:bodyPr rtlCol="0" anchor="ctr"/>
+          <a:lstStyle/>
+          <a:p>
+            <a:pPr algn="ctr"/>
+            <a:r>
+              <a:rPr lang="en-GB" sz="3000" b="1" dirty="0" smtClean="0"/>
+              <a:t>UI - React Component</a:t>
+            </a:r>
+            <a:endParaRPr lang="en-GB" sz="3000" b="1" dirty="0"/>
+          </a:p>
+        </p:txBody>
+      </p:sp>
+      <p:cxnSp>
+        <p:nvCxnSpPr>
+          <p:cNvPr id="40" name="Lige pilforbindelse 39"/>
+          <p:cNvCxnSpPr>
+            <a:stCxn id="36" idx="0"/>
+          </p:cNvCxnSpPr>
+          <p:nvPr/>
+        </p:nvCxnSpPr>
+        <p:spPr>
+          <a:xfrm flipV="1">
+            <a:off x="4790501" y="1822333"/>
+            <a:ext cx="0" cy="942344"/>
+          </a:xfrm>
+          <a:prstGeom prst="straightConnector1">
+            <a:avLst/>
+          </a:prstGeom>
+          <a:ln>
+            <a:prstDash val="dash"/>
+            <a:tailEnd type="arrow"/>
+          </a:ln>
+        </p:spPr>
+        <p:style>
+          <a:lnRef idx="1">
+            <a:schemeClr val="accent1"/>
+          </a:lnRef>
+          <a:fillRef idx="0">
+            <a:schemeClr val="accent1"/>
+          </a:fillRef>
+          <a:effectRef idx="0">
+            <a:schemeClr val="accent1"/>
+          </a:effectRef>
+          <a:fontRef idx="minor">
+            <a:schemeClr val="tx1"/>
+          </a:fontRef>
+        </p:style>
+      </p:cxnSp>
+      <p:sp>
+        <p:nvSpPr>
+          <p:cNvPr id="52" name="Tekstboks 51"/>
+          <p:cNvSpPr txBox="1"/>
+          <p:nvPr/>
+        </p:nvSpPr>
+        <p:spPr>
+          <a:xfrm>
+            <a:off x="1654137" y="2867422"/>
+            <a:ext cx="2053767" cy="830997"/>
+          </a:xfrm>
+          <a:prstGeom prst="rect">
+            <a:avLst/>
+          </a:prstGeom>
+          <a:noFill/>
+        </p:spPr>
+        <p:txBody>
+          <a:bodyPr wrap="none" rtlCol="0">
+            <a:spAutoFit/>
+          </a:bodyPr>
+          <a:lstStyle/>
+          <a:p>
+            <a:r>
+              <a:rPr lang="en-GB" sz="2400" b="1" dirty="0" smtClean="0">
+                <a:solidFill>
+                  <a:srgbClr val="C00000"/>
+                </a:solidFill>
+                <a:latin typeface="Consolas" panose="020B0609020204030204" pitchFamily="49" charset="0"/>
+                <a:cs typeface="Consolas" panose="020B0609020204030204" pitchFamily="49" charset="0"/>
+              </a:rPr>
+              <a:t>@observable</a:t>
+            </a:r>
+          </a:p>
+          <a:p>
+            <a:r>
+              <a:rPr lang="en-GB" sz="2400" b="1" dirty="0" smtClean="0">
+                <a:solidFill>
+                  <a:srgbClr val="C00000"/>
+                </a:solidFill>
+                <a:latin typeface="Consolas" panose="020B0609020204030204" pitchFamily="49" charset="0"/>
+                <a:cs typeface="Consolas" panose="020B0609020204030204" pitchFamily="49" charset="0"/>
+              </a:rPr>
+              <a:t>@computed</a:t>
+            </a:r>
+            <a:endParaRPr lang="en-GB" sz="2400" b="1" dirty="0">
+              <a:solidFill>
+                <a:srgbClr val="C00000"/>
+              </a:solidFill>
+              <a:latin typeface="Consolas" panose="020B0609020204030204" pitchFamily="49" charset="0"/>
+              <a:cs typeface="Consolas" panose="020B0609020204030204" pitchFamily="49" charset="0"/>
+            </a:endParaRPr>
+          </a:p>
+        </p:txBody>
+      </p:sp>
+      <p:sp>
+        <p:nvSpPr>
+          <p:cNvPr id="55" name="Tekstboks 54"/>
+          <p:cNvSpPr txBox="1"/>
+          <p:nvPr/>
+        </p:nvSpPr>
+        <p:spPr>
+          <a:xfrm>
+            <a:off x="4211960" y="1360667"/>
+            <a:ext cx="1713931" cy="461665"/>
+          </a:xfrm>
+          <a:prstGeom prst="rect">
+            <a:avLst/>
+          </a:prstGeom>
+          <a:noFill/>
+        </p:spPr>
+        <p:txBody>
+          <a:bodyPr wrap="none" rtlCol="0">
+            <a:spAutoFit/>
+          </a:bodyPr>
+          <a:lstStyle/>
+          <a:p>
+            <a:r>
+              <a:rPr lang="en-GB" sz="2400" b="1" dirty="0" smtClean="0">
+                <a:solidFill>
+                  <a:srgbClr val="C00000"/>
+                </a:solidFill>
+                <a:latin typeface="Consolas" panose="020B0609020204030204" pitchFamily="49" charset="0"/>
+                <a:cs typeface="Consolas" panose="020B0609020204030204" pitchFamily="49" charset="0"/>
+              </a:rPr>
+              <a:t>@observer</a:t>
+            </a:r>
+          </a:p>
+        </p:txBody>
+      </p:sp>
+      <p:cxnSp>
+        <p:nvCxnSpPr>
+          <p:cNvPr id="57" name="Vinklet forbindelse 56"/>
+          <p:cNvCxnSpPr>
+            <a:stCxn id="38" idx="1"/>
+          </p:cNvCxnSpPr>
+          <p:nvPr/>
+        </p:nvCxnSpPr>
+        <p:spPr>
+          <a:xfrm rot="10800000" flipV="1">
+            <a:off x="3710381" y="844372"/>
+            <a:ext cx="256420" cy="1576516"/>
+          </a:xfrm>
+          <a:prstGeom prst="bentConnector2">
+            <a:avLst/>
+          </a:prstGeom>
+          <a:ln>
+            <a:solidFill>
+              <a:srgbClr val="00B050"/>
+            </a:solidFill>
+            <a:prstDash val="dash"/>
+            <a:tailEnd type="arrow"/>
+          </a:ln>
+        </p:spPr>
+        <p:style>
+          <a:lnRef idx="1">
+            <a:schemeClr val="accent1"/>
+          </a:lnRef>
+          <a:fillRef idx="0">
+            <a:schemeClr val="accent1"/>
+          </a:fillRef>
+          <a:effectRef idx="0">
+            <a:schemeClr val="accent1"/>
+          </a:effectRef>
+          <a:fontRef idx="minor">
+            <a:schemeClr val="tx1"/>
+          </a:fontRef>
+        </p:style>
+      </p:cxnSp>
+      <p:sp>
+        <p:nvSpPr>
+          <p:cNvPr id="61" name="Tekstboks 60"/>
+          <p:cNvSpPr txBox="1"/>
+          <p:nvPr/>
+        </p:nvSpPr>
+        <p:spPr>
+          <a:xfrm>
+            <a:off x="3367475" y="2348880"/>
+            <a:ext cx="1374094" cy="461665"/>
+          </a:xfrm>
+          <a:prstGeom prst="rect">
+            <a:avLst/>
+          </a:prstGeom>
+          <a:noFill/>
+        </p:spPr>
+        <p:txBody>
+          <a:bodyPr wrap="none" rtlCol="0">
+            <a:spAutoFit/>
+          </a:bodyPr>
+          <a:lstStyle/>
+          <a:p>
+            <a:r>
+              <a:rPr lang="en-GB" sz="2400" b="1" dirty="0" smtClean="0">
+                <a:solidFill>
+                  <a:srgbClr val="C00000"/>
+                </a:solidFill>
+                <a:latin typeface="Consolas" panose="020B0609020204030204" pitchFamily="49" charset="0"/>
+                <a:cs typeface="Consolas" panose="020B0609020204030204" pitchFamily="49" charset="0"/>
+              </a:rPr>
+              <a:t>@action</a:t>
+            </a:r>
+            <a:endParaRPr lang="en-GB" sz="2400" b="1" dirty="0">
+              <a:solidFill>
+                <a:srgbClr val="C00000"/>
+              </a:solidFill>
+              <a:latin typeface="Consolas" panose="020B0609020204030204" pitchFamily="49" charset="0"/>
+              <a:cs typeface="Consolas" panose="020B0609020204030204" pitchFamily="49" charset="0"/>
+            </a:endParaRPr>
+          </a:p>
+        </p:txBody>
+      </p:sp>
+      <p:sp>
+        <p:nvSpPr>
+          <p:cNvPr id="59" name="AutoShape 10" descr="Image result for Rest API"/>
+          <p:cNvSpPr>
+            <a:spLocks noChangeAspect="1" noChangeArrowheads="1"/>
+          </p:cNvSpPr>
+          <p:nvPr/>
+        </p:nvSpPr>
+        <p:spPr bwMode="auto">
+          <a:xfrm>
+            <a:off x="155575" y="-144463"/>
+            <a:ext cx="304800" cy="304801"/>
+          </a:xfrm>
+          <a:prstGeom prst="rect">
+            <a:avLst/>
+          </a:prstGeom>
+          <a:noFill/>
+          <a:extLst>
+            <a:ext uri="{909E8E84-426E-40DD-AFC4-6F175D3DCCD1}">
+              <a14:hiddenFill xmlns:a14="http://schemas.microsoft.com/office/drawing/2010/main">
+                <a:solidFill>
+                  <a:srgbClr val="FFFFFF"/>
+                </a:solidFill>
+              </a14:hiddenFill>
+            </a:ext>
+          </a:extLst>
+        </p:spPr>
+        <p:txBody>
+          <a:bodyPr vert="horz" wrap="square" lIns="91440" tIns="45720" rIns="91440" bIns="45720" numCol="1" anchor="t" anchorCtr="0" compatLnSpc="1">
+            <a:prstTxWarp prst="textNoShape">
+              <a:avLst/>
+            </a:prstTxWarp>
+          </a:bodyPr>
+          <a:lstStyle/>
+          <a:p>
+            <a:endParaRPr lang="da-DK"/>
+          </a:p>
+        </p:txBody>
+      </p:sp>
+      <p:pic>
+        <p:nvPicPr>
+          <p:cNvPr id="1036" name="Picture 12" descr="Image result for Rest API"/>
+          <p:cNvPicPr>
+            <a:picLocks noChangeAspect="1" noChangeArrowheads="1"/>
+          </p:cNvPicPr>
+          <p:nvPr/>
+        </p:nvPicPr>
+        <p:blipFill>
+          <a:blip r:embed="rId2">
+            <a:extLst>
+              <a:ext uri="{28A0092B-C50C-407E-A947-70E740481C1C}">
+                <a14:useLocalDpi xmlns:a14="http://schemas.microsoft.com/office/drawing/2010/main" val="0"/>
+              </a:ext>
+            </a:extLst>
+          </a:blip>
+          <a:srcRect/>
+          <a:stretch>
+            <a:fillRect/>
+          </a:stretch>
+        </p:blipFill>
+        <p:spPr bwMode="auto">
+          <a:xfrm>
+            <a:off x="4054522" y="5013176"/>
+            <a:ext cx="1816099" cy="1020001"/>
+          </a:xfrm>
+          <a:prstGeom prst="rect">
+            <a:avLst/>
+          </a:prstGeom>
+          <a:noFill/>
+          <a:extLst>
+            <a:ext uri="{909E8E84-426E-40DD-AFC4-6F175D3DCCD1}">
+              <a14:hiddenFill xmlns:a14="http://schemas.microsoft.com/office/drawing/2010/main">
+                <a:solidFill>
+                  <a:srgbClr val="FFFFFF"/>
+                </a:solidFill>
+              </a14:hiddenFill>
+            </a:ext>
+          </a:extLst>
+        </p:spPr>
+      </p:pic>
+      <p:sp>
+        <p:nvSpPr>
+          <p:cNvPr id="60" name="Opad-nedadgående pil 59"/>
+          <p:cNvSpPr/>
+          <p:nvPr/>
+        </p:nvSpPr>
+        <p:spPr>
+          <a:xfrm>
+            <a:off x="4054522" y="4077072"/>
+            <a:ext cx="449885" cy="792088"/>
+          </a:xfrm>
+          <a:prstGeom prst="upDownArrow">
+            <a:avLst/>
+          </a:prstGeom>
+        </p:spPr>
+        <p:style>
+          <a:lnRef idx="2">
+            <a:schemeClr val="accent1">
+              <a:shade val="50000"/>
+            </a:schemeClr>
+          </a:lnRef>
+          <a:fillRef idx="1">
+            <a:schemeClr val="accent1"/>
+          </a:fillRef>
+          <a:effectRef idx="0">
+            <a:schemeClr val="accent1"/>
+          </a:effectRef>
+          <a:fontRef idx="minor">
+            <a:schemeClr val="lt1"/>
+          </a:fontRef>
+        </p:style>
+        <p:txBody>
+          <a:bodyPr rtlCol="0" anchor="ctr"/>
+          <a:lstStyle/>
+          <a:p>
+            <a:pPr algn="ctr"/>
+            <a:endParaRPr lang="da-DK"/>
+          </a:p>
+        </p:txBody>
+      </p:sp>
+      <p:sp>
+        <p:nvSpPr>
+          <p:cNvPr id="66" name="Opad-nedadgående pil 65"/>
+          <p:cNvSpPr/>
+          <p:nvPr/>
+        </p:nvSpPr>
+        <p:spPr>
+          <a:xfrm>
+            <a:off x="5418259" y="4077072"/>
+            <a:ext cx="449885" cy="792088"/>
+          </a:xfrm>
+          <a:prstGeom prst="upDownArrow">
+            <a:avLst/>
+          </a:prstGeom>
+        </p:spPr>
+        <p:style>
+          <a:lnRef idx="2">
+            <a:schemeClr val="accent1">
+              <a:shade val="50000"/>
+            </a:schemeClr>
+          </a:lnRef>
+          <a:fillRef idx="1">
+            <a:schemeClr val="accent1"/>
+          </a:fillRef>
+          <a:effectRef idx="0">
+            <a:schemeClr val="accent1"/>
+          </a:effectRef>
+          <a:fontRef idx="minor">
+            <a:schemeClr val="lt1"/>
+          </a:fontRef>
+        </p:style>
+        <p:txBody>
+          <a:bodyPr rtlCol="0" anchor="ctr"/>
+          <a:lstStyle/>
+          <a:p>
+            <a:pPr algn="ctr"/>
+            <a:endParaRPr lang="da-DK"/>
+          </a:p>
+        </p:txBody>
+      </p:sp>
+      <p:sp>
+        <p:nvSpPr>
+          <p:cNvPr id="63" name="Rektangel 62"/>
+          <p:cNvSpPr/>
+          <p:nvPr/>
+        </p:nvSpPr>
+        <p:spPr>
+          <a:xfrm>
+            <a:off x="2771800" y="3933056"/>
+            <a:ext cx="4392488" cy="2100121"/>
+          </a:xfrm>
+          <a:prstGeom prst="rect">
+            <a:avLst/>
+          </a:prstGeom>
+          <a:solidFill>
+            <a:srgbClr val="FFFFFF">
+              <a:alpha val="85000"/>
+            </a:srgbClr>
+          </a:solidFill>
+          <a:ln>
+            <a:noFill/>
+          </a:ln>
+        </p:spPr>
+        <p:style>
+          <a:lnRef idx="2">
+            <a:schemeClr val="accent1">
+              <a:shade val="50000"/>
+            </a:schemeClr>
+          </a:lnRef>
+          <a:fillRef idx="1">
+            <a:schemeClr val="accent1"/>
+          </a:fillRef>
+          <a:effectRef idx="0">
+            <a:schemeClr val="accent1"/>
+          </a:effectRef>
+          <a:fontRef idx="minor">
+            <a:schemeClr val="lt1"/>
+          </a:fontRef>
+        </p:style>
+        <p:txBody>
+          <a:bodyPr rtlCol="0" anchor="ctr"/>
+          <a:lstStyle/>
+          <a:p>
+            <a:pPr algn="ctr"/>
+            <a:endParaRPr lang="da-DK"/>
+          </a:p>
+        </p:txBody>
+      </p:sp>
+    </p:spTree>
+    <p:extLst>
+      <p:ext uri="{BB962C8B-B14F-4D97-AF65-F5344CB8AC3E}">
+        <p14:creationId xmlns:p14="http://schemas.microsoft.com/office/powerpoint/2010/main" val="1227443353"/>
+      </p:ext>
+    </p:extLst>
+  </p:cSld>
+  <p:clrMapOvr>
+    <a:masterClrMapping/>
+  </p:clrMapOvr>
+</p:sld>
+</file>
+
+<file path=ppt/slides/slide3.xml><?xml version="1.0" encoding="utf-8"?>
+<p:sld xmlns:a="http://schemas.openxmlformats.org/drawingml/2006/main" xmlns:r="http://schemas.openxmlformats.org/officeDocument/2006/relationships" xmlns:p="http://schemas.openxmlformats.org/presentationml/2006/main">
+  <p:cSld>
+    <p:spTree>
+      <p:nvGrpSpPr>
+        <p:cNvPr id="1" name=""/>
+        <p:cNvGrpSpPr/>
+        <p:nvPr/>
+      </p:nvGrpSpPr>
+      <p:grpSpPr>
+        <a:xfrm>
+          <a:off x="0" y="0"/>
+          <a:ext cx="0" cy="0"/>
+          <a:chOff x="0" y="0"/>
+          <a:chExt cx="0" cy="0"/>
+        </a:xfrm>
+      </p:grpSpPr>
+      <p:sp>
+        <p:nvSpPr>
+          <p:cNvPr id="36" name="Afrundet rektangel 35"/>
+          <p:cNvSpPr/>
+          <p:nvPr/>
+        </p:nvSpPr>
+        <p:spPr>
+          <a:xfrm>
             <a:off x="2393923" y="2764676"/>
             <a:ext cx="2160240" cy="1008112"/>
           </a:xfrm>
@@ -4406,7 +4936,7 @@
 </p:sld>
 </file>
 
-<file path=ppt/slides/slide3.xml><?xml version="1.0" encoding="utf-8"?>
+<file path=ppt/slides/slide4.xml><?xml version="1.0" encoding="utf-8"?>
 <p:sld xmlns:a="http://schemas.openxmlformats.org/drawingml/2006/main" xmlns:r="http://schemas.openxmlformats.org/officeDocument/2006/relationships" xmlns:p="http://schemas.openxmlformats.org/presentationml/2006/main">
   <p:cSld>
     <p:spTree>
@@ -4563,7 +5093,7 @@
 </p:sld>
 </file>
 
-<file path=ppt/slides/slide4.xml><?xml version="1.0" encoding="utf-8"?>
+<file path=ppt/slides/slide5.xml><?xml version="1.0" encoding="utf-8"?>
 <p:sld xmlns:a="http://schemas.openxmlformats.org/drawingml/2006/main" xmlns:r="http://schemas.openxmlformats.org/officeDocument/2006/relationships" xmlns:p="http://schemas.openxmlformats.org/presentationml/2006/main">
   <p:cSld>
     <p:spTree>
@@ -6255,7 +6785,7 @@
 </p:sld>
 </file>
 
-<file path=ppt/slides/slide5.xml><?xml version="1.0" encoding="utf-8"?>
+<file path=ppt/slides/slide6.xml><?xml version="1.0" encoding="utf-8"?>
 <p:sld xmlns:a="http://schemas.openxmlformats.org/drawingml/2006/main" xmlns:r="http://schemas.openxmlformats.org/officeDocument/2006/relationships" xmlns:p="http://schemas.openxmlformats.org/presentationml/2006/main">
   <p:cSld>
     <p:spTree>
@@ -6468,1156 +6998,6 @@
     <p:extLst>
       <p:ext uri="{BB962C8B-B14F-4D97-AF65-F5344CB8AC3E}">
         <p14:creationId xmlns:p14="http://schemas.microsoft.com/office/powerpoint/2010/main" val="253074112"/>
-      </p:ext>
-    </p:extLst>
-  </p:cSld>
-  <p:clrMapOvr>
-    <a:masterClrMapping/>
-  </p:clrMapOvr>
-</p:sld>
-</file>
-
-<file path=ppt/slides/slide6.xml><?xml version="1.0" encoding="utf-8"?>
-<p:sld xmlns:a="http://schemas.openxmlformats.org/drawingml/2006/main" xmlns:r="http://schemas.openxmlformats.org/officeDocument/2006/relationships" xmlns:p="http://schemas.openxmlformats.org/presentationml/2006/main">
-  <p:cSld>
-    <p:spTree>
-      <p:nvGrpSpPr>
-        <p:cNvPr id="1" name=""/>
-        <p:cNvGrpSpPr/>
-        <p:nvPr/>
-      </p:nvGrpSpPr>
-      <p:grpSpPr>
-        <a:xfrm>
-          <a:off x="0" y="0"/>
-          <a:ext cx="0" cy="0"/>
-          <a:chOff x="0" y="0"/>
-          <a:chExt cx="0" cy="0"/>
-        </a:xfrm>
-      </p:grpSpPr>
-      <p:sp>
-        <p:nvSpPr>
-          <p:cNvPr id="2" name="Rektangel 1"/>
-          <p:cNvSpPr/>
-          <p:nvPr/>
-        </p:nvSpPr>
-        <p:spPr>
-          <a:xfrm flipH="1">
-            <a:off x="4427984" y="2129249"/>
-            <a:ext cx="2734303" cy="4204340"/>
-          </a:xfrm>
-          <a:prstGeom prst="rect">
-            <a:avLst/>
-          </a:prstGeom>
-          <a:solidFill>
-            <a:schemeClr val="accent6">
-              <a:lumMod val="40000"/>
-              <a:lumOff val="60000"/>
-            </a:schemeClr>
-          </a:solidFill>
-          <a:ln>
-            <a:noFill/>
-          </a:ln>
-        </p:spPr>
-        <p:style>
-          <a:lnRef idx="2">
-            <a:schemeClr val="accent1">
-              <a:shade val="50000"/>
-            </a:schemeClr>
-          </a:lnRef>
-          <a:fillRef idx="1">
-            <a:schemeClr val="accent1"/>
-          </a:fillRef>
-          <a:effectRef idx="0">
-            <a:schemeClr val="accent1"/>
-          </a:effectRef>
-          <a:fontRef idx="minor">
-            <a:schemeClr val="lt1"/>
-          </a:fontRef>
-        </p:style>
-        <p:txBody>
-          <a:bodyPr rtlCol="0" anchor="ctr"/>
-          <a:lstStyle/>
-          <a:p>
-            <a:pPr algn="ctr"/>
-            <a:endParaRPr lang="da-DK"/>
-          </a:p>
-        </p:txBody>
-      </p:sp>
-      <p:sp>
-        <p:nvSpPr>
-          <p:cNvPr id="3" name="Rektangel 2"/>
-          <p:cNvSpPr/>
-          <p:nvPr/>
-        </p:nvSpPr>
-        <p:spPr>
-          <a:xfrm>
-            <a:off x="1835696" y="2134597"/>
-            <a:ext cx="2603167" cy="4204340"/>
-          </a:xfrm>
-          <a:prstGeom prst="rect">
-            <a:avLst/>
-          </a:prstGeom>
-          <a:solidFill>
-            <a:schemeClr val="tx2">
-              <a:lumMod val="20000"/>
-              <a:lumOff val="80000"/>
-            </a:schemeClr>
-          </a:solidFill>
-          <a:ln>
-            <a:noFill/>
-          </a:ln>
-        </p:spPr>
-        <p:style>
-          <a:lnRef idx="2">
-            <a:schemeClr val="accent1">
-              <a:shade val="50000"/>
-            </a:schemeClr>
-          </a:lnRef>
-          <a:fillRef idx="1">
-            <a:schemeClr val="accent1"/>
-          </a:fillRef>
-          <a:effectRef idx="0">
-            <a:schemeClr val="accent1"/>
-          </a:effectRef>
-          <a:fontRef idx="minor">
-            <a:schemeClr val="lt1"/>
-          </a:fontRef>
-        </p:style>
-        <p:txBody>
-          <a:bodyPr rtlCol="0" anchor="ctr"/>
-          <a:lstStyle/>
-          <a:p>
-            <a:pPr algn="ctr"/>
-            <a:endParaRPr lang="da-DK"/>
-          </a:p>
-        </p:txBody>
-      </p:sp>
-      <p:pic>
-        <p:nvPicPr>
-          <p:cNvPr id="5" name="Picture 4" descr="Image result for mobx"/>
-          <p:cNvPicPr>
-            <a:picLocks noChangeAspect="1" noChangeArrowheads="1"/>
-          </p:cNvPicPr>
-          <p:nvPr/>
-        </p:nvPicPr>
-        <p:blipFill>
-          <a:blip r:embed="rId2" cstate="print">
-            <a:extLst>
-              <a:ext uri="{28A0092B-C50C-407E-A947-70E740481C1C}">
-                <a14:useLocalDpi xmlns:a14="http://schemas.microsoft.com/office/drawing/2010/main" val="0"/>
-              </a:ext>
-            </a:extLst>
-          </a:blip>
-          <a:srcRect/>
-          <a:stretch>
-            <a:fillRect/>
-          </a:stretch>
-        </p:blipFill>
-        <p:spPr bwMode="auto">
-          <a:xfrm>
-            <a:off x="1979712" y="4437112"/>
-            <a:ext cx="1313820" cy="1313820"/>
-          </a:xfrm>
-          <a:prstGeom prst="rect">
-            <a:avLst/>
-          </a:prstGeom>
-          <a:noFill/>
-          <a:extLst>
-            <a:ext uri="{909E8E84-426E-40DD-AFC4-6F175D3DCCD1}">
-              <a14:hiddenFill xmlns:a14="http://schemas.microsoft.com/office/drawing/2010/main">
-                <a:solidFill>
-                  <a:srgbClr val="FFFFFF"/>
-                </a:solidFill>
-              </a14:hiddenFill>
-            </a:ext>
-          </a:extLst>
-        </p:spPr>
-      </p:pic>
-      <p:pic>
-        <p:nvPicPr>
-          <p:cNvPr id="6" name="Picture 8" descr="Image result for redux"/>
-          <p:cNvPicPr>
-            <a:picLocks noChangeAspect="1" noChangeArrowheads="1"/>
-          </p:cNvPicPr>
-          <p:nvPr/>
-        </p:nvPicPr>
-        <p:blipFill>
-          <a:blip r:embed="rId3" cstate="print">
-            <a:extLst>
-              <a:ext uri="{28A0092B-C50C-407E-A947-70E740481C1C}">
-                <a14:useLocalDpi xmlns:a14="http://schemas.microsoft.com/office/drawing/2010/main" val="0"/>
-              </a:ext>
-            </a:extLst>
-          </a:blip>
-          <a:srcRect/>
-          <a:stretch>
-            <a:fillRect/>
-          </a:stretch>
-        </p:blipFill>
-        <p:spPr bwMode="auto">
-          <a:xfrm>
-            <a:off x="5796136" y="4437111"/>
-            <a:ext cx="1368152" cy="1236507"/>
-          </a:xfrm>
-          <a:prstGeom prst="rect">
-            <a:avLst/>
-          </a:prstGeom>
-          <a:noFill/>
-          <a:extLst>
-            <a:ext uri="{909E8E84-426E-40DD-AFC4-6F175D3DCCD1}">
-              <a14:hiddenFill xmlns:a14="http://schemas.microsoft.com/office/drawing/2010/main">
-                <a:solidFill>
-                  <a:srgbClr val="FFFFFF"/>
-                </a:solidFill>
-              </a14:hiddenFill>
-            </a:ext>
-          </a:extLst>
-        </p:spPr>
-      </p:pic>
-      <p:sp>
-        <p:nvSpPr>
-          <p:cNvPr id="7" name="Tekstboks 6"/>
-          <p:cNvSpPr txBox="1"/>
-          <p:nvPr/>
-        </p:nvSpPr>
-        <p:spPr>
-          <a:xfrm>
-            <a:off x="2067680" y="5805264"/>
-            <a:ext cx="1136168" cy="461665"/>
-          </a:xfrm>
-          <a:prstGeom prst="rect">
-            <a:avLst/>
-          </a:prstGeom>
-          <a:noFill/>
-        </p:spPr>
-        <p:txBody>
-          <a:bodyPr wrap="square" rtlCol="0">
-            <a:spAutoFit/>
-          </a:bodyPr>
-          <a:lstStyle/>
-          <a:p>
-            <a:r>
-              <a:rPr lang="en-GB" sz="2400" b="1" dirty="0" smtClean="0"/>
-              <a:t>MobX</a:t>
-            </a:r>
-            <a:endParaRPr lang="en-GB" sz="2400" b="1" dirty="0"/>
-          </a:p>
-        </p:txBody>
-      </p:sp>
-      <p:sp>
-        <p:nvSpPr>
-          <p:cNvPr id="8" name="Tekstboks 7"/>
-          <p:cNvSpPr txBox="1"/>
-          <p:nvPr/>
-        </p:nvSpPr>
-        <p:spPr>
-          <a:xfrm>
-            <a:off x="5912128" y="5830376"/>
-            <a:ext cx="1136168" cy="461665"/>
-          </a:xfrm>
-          <a:prstGeom prst="rect">
-            <a:avLst/>
-          </a:prstGeom>
-          <a:noFill/>
-        </p:spPr>
-        <p:txBody>
-          <a:bodyPr wrap="square" rtlCol="0">
-            <a:spAutoFit/>
-          </a:bodyPr>
-          <a:lstStyle/>
-          <a:p>
-            <a:r>
-              <a:rPr lang="en-GB" sz="2400" b="1" dirty="0" smtClean="0"/>
-              <a:t>Redux</a:t>
-            </a:r>
-          </a:p>
-        </p:txBody>
-      </p:sp>
-      <p:sp>
-        <p:nvSpPr>
-          <p:cNvPr id="9" name="Tekstboks 8"/>
-          <p:cNvSpPr txBox="1"/>
-          <p:nvPr/>
-        </p:nvSpPr>
-        <p:spPr>
-          <a:xfrm>
-            <a:off x="2140821" y="2894588"/>
-            <a:ext cx="668773" cy="523220"/>
-          </a:xfrm>
-          <a:prstGeom prst="rect">
-            <a:avLst/>
-          </a:prstGeom>
-          <a:noFill/>
-        </p:spPr>
-        <p:txBody>
-          <a:bodyPr wrap="none" rtlCol="0">
-            <a:spAutoFit/>
-          </a:bodyPr>
-          <a:lstStyle/>
-          <a:p>
-            <a:r>
-              <a:rPr lang="en-GB" sz="2800" b="1" dirty="0" smtClean="0">
-                <a:solidFill>
-                  <a:schemeClr val="tx2"/>
-                </a:solidFill>
-              </a:rPr>
-              <a:t>OO</a:t>
-            </a:r>
-            <a:endParaRPr lang="en-GB" sz="2800" b="1" dirty="0">
-              <a:solidFill>
-                <a:schemeClr val="tx2"/>
-              </a:solidFill>
-            </a:endParaRPr>
-          </a:p>
-        </p:txBody>
-      </p:sp>
-      <p:sp>
-        <p:nvSpPr>
-          <p:cNvPr id="10" name="Tekstboks 9"/>
-          <p:cNvSpPr txBox="1"/>
-          <p:nvPr/>
-        </p:nvSpPr>
-        <p:spPr>
-          <a:xfrm>
-            <a:off x="5364088" y="2905780"/>
-            <a:ext cx="1749197" cy="523220"/>
-          </a:xfrm>
-          <a:prstGeom prst="rect">
-            <a:avLst/>
-          </a:prstGeom>
-          <a:noFill/>
-        </p:spPr>
-        <p:txBody>
-          <a:bodyPr wrap="none" rtlCol="0">
-            <a:spAutoFit/>
-          </a:bodyPr>
-          <a:lstStyle/>
-          <a:p>
-            <a:r>
-              <a:rPr lang="en-GB" sz="2800" b="1" dirty="0" smtClean="0">
-                <a:solidFill>
-                  <a:schemeClr val="tx2"/>
-                </a:solidFill>
-              </a:rPr>
-              <a:t>Functional</a:t>
-            </a:r>
-            <a:endParaRPr lang="en-GB" sz="2800" b="1" dirty="0">
-              <a:solidFill>
-                <a:schemeClr val="tx2"/>
-              </a:solidFill>
-            </a:endParaRPr>
-          </a:p>
-        </p:txBody>
-      </p:sp>
-      <p:pic>
-        <p:nvPicPr>
-          <p:cNvPr id="11" name="Picture 10" descr="Image result for arrows"/>
-          <p:cNvPicPr>
-            <a:picLocks noChangeAspect="1" noChangeArrowheads="1"/>
-          </p:cNvPicPr>
-          <p:nvPr/>
-        </p:nvPicPr>
-        <p:blipFill>
-          <a:blip r:embed="rId4" cstate="print">
-            <a:extLst>
-              <a:ext uri="{28A0092B-C50C-407E-A947-70E740481C1C}">
-                <a14:useLocalDpi xmlns:a14="http://schemas.microsoft.com/office/drawing/2010/main" val="0"/>
-              </a:ext>
-            </a:extLst>
-          </a:blip>
-          <a:srcRect/>
-          <a:stretch>
-            <a:fillRect/>
-          </a:stretch>
-        </p:blipFill>
-        <p:spPr bwMode="auto">
-          <a:xfrm rot="5176348">
-            <a:off x="4070020" y="3085904"/>
-            <a:ext cx="2385468" cy="1495861"/>
-          </a:xfrm>
-          <a:prstGeom prst="rect">
-            <a:avLst/>
-          </a:prstGeom>
-          <a:noFill/>
-          <a:extLst>
-            <a:ext uri="{909E8E84-426E-40DD-AFC4-6F175D3DCCD1}">
-              <a14:hiddenFill xmlns:a14="http://schemas.microsoft.com/office/drawing/2010/main">
-                <a:solidFill>
-                  <a:srgbClr val="FFFFFF"/>
-                </a:solidFill>
-              </a14:hiddenFill>
-            </a:ext>
-          </a:extLst>
-        </p:spPr>
-      </p:pic>
-      <p:pic>
-        <p:nvPicPr>
-          <p:cNvPr id="12" name="Picture 10" descr="Image result for arrows"/>
-          <p:cNvPicPr>
-            <a:picLocks noChangeAspect="1" noChangeArrowheads="1"/>
-          </p:cNvPicPr>
-          <p:nvPr/>
-        </p:nvPicPr>
-        <p:blipFill>
-          <a:blip r:embed="rId5" cstate="print">
-            <a:extLst>
-              <a:ext uri="{28A0092B-C50C-407E-A947-70E740481C1C}">
-                <a14:useLocalDpi xmlns:a14="http://schemas.microsoft.com/office/drawing/2010/main" val="0"/>
-              </a:ext>
-            </a:extLst>
-          </a:blip>
-          <a:srcRect/>
-          <a:stretch>
-            <a:fillRect/>
-          </a:stretch>
-        </p:blipFill>
-        <p:spPr bwMode="auto">
-          <a:xfrm rot="5176348" flipV="1">
-            <a:off x="2621463" y="3301109"/>
-            <a:ext cx="2385468" cy="1219085"/>
-          </a:xfrm>
-          <a:prstGeom prst="rect">
-            <a:avLst/>
-          </a:prstGeom>
-          <a:noFill/>
-          <a:extLst>
-            <a:ext uri="{909E8E84-426E-40DD-AFC4-6F175D3DCCD1}">
-              <a14:hiddenFill xmlns:a14="http://schemas.microsoft.com/office/drawing/2010/main">
-                <a:solidFill>
-                  <a:srgbClr val="FFFFFF"/>
-                </a:solidFill>
-              </a14:hiddenFill>
-            </a:ext>
-          </a:extLst>
-        </p:spPr>
-      </p:pic>
-      <p:sp>
-        <p:nvSpPr>
-          <p:cNvPr id="4" name="Tekstboks 3"/>
-          <p:cNvSpPr txBox="1"/>
-          <p:nvPr/>
-        </p:nvSpPr>
-        <p:spPr>
-          <a:xfrm>
-            <a:off x="3347864" y="2134597"/>
-            <a:ext cx="2160240" cy="646331"/>
-          </a:xfrm>
-          <a:prstGeom prst="rect">
-            <a:avLst/>
-          </a:prstGeom>
-          <a:solidFill>
-            <a:schemeClr val="tx2">
-              <a:lumMod val="40000"/>
-              <a:lumOff val="60000"/>
-            </a:schemeClr>
-          </a:solidFill>
-        </p:spPr>
-        <p:txBody>
-          <a:bodyPr wrap="square" rtlCol="0">
-            <a:spAutoFit/>
-          </a:bodyPr>
-          <a:lstStyle/>
-          <a:p>
-            <a:r>
-              <a:rPr lang="en-GB" sz="3600" b="1" dirty="0" smtClean="0"/>
-              <a:t>Paradigms</a:t>
-            </a:r>
-            <a:endParaRPr lang="en-GB" sz="3600" b="1" dirty="0"/>
-          </a:p>
-        </p:txBody>
-      </p:sp>
-    </p:spTree>
-    <p:extLst>
-      <p:ext uri="{BB962C8B-B14F-4D97-AF65-F5344CB8AC3E}">
-        <p14:creationId xmlns:p14="http://schemas.microsoft.com/office/powerpoint/2010/main" val="2575484583"/>
-      </p:ext>
-    </p:extLst>
-  </p:cSld>
-  <p:clrMapOvr>
-    <a:masterClrMapping/>
-  </p:clrMapOvr>
-</p:sld>
-</file>
-
-<file path=ppt/slides/slide7.xml><?xml version="1.0" encoding="utf-8"?>
-<p:sld xmlns:a="http://schemas.openxmlformats.org/drawingml/2006/main" xmlns:r="http://schemas.openxmlformats.org/officeDocument/2006/relationships" xmlns:p="http://schemas.openxmlformats.org/presentationml/2006/main">
-  <p:cSld>
-    <p:spTree>
-      <p:nvGrpSpPr>
-        <p:cNvPr id="1" name=""/>
-        <p:cNvGrpSpPr/>
-        <p:nvPr/>
-      </p:nvGrpSpPr>
-      <p:grpSpPr>
-        <a:xfrm>
-          <a:off x="0" y="0"/>
-          <a:ext cx="0" cy="0"/>
-          <a:chOff x="0" y="0"/>
-          <a:chExt cx="0" cy="0"/>
-        </a:xfrm>
-      </p:grpSpPr>
-      <p:sp>
-        <p:nvSpPr>
-          <p:cNvPr id="3" name="Tekstboks 2"/>
-          <p:cNvSpPr txBox="1"/>
-          <p:nvPr/>
-        </p:nvSpPr>
-        <p:spPr>
-          <a:xfrm>
-            <a:off x="3059832" y="2210961"/>
-            <a:ext cx="3744416" cy="353943"/>
-          </a:xfrm>
-          <a:prstGeom prst="rect">
-            <a:avLst/>
-          </a:prstGeom>
-        </p:spPr>
-        <p:style>
-          <a:lnRef idx="1">
-            <a:schemeClr val="accent3"/>
-          </a:lnRef>
-          <a:fillRef idx="2">
-            <a:schemeClr val="accent3"/>
-          </a:fillRef>
-          <a:effectRef idx="1">
-            <a:schemeClr val="accent3"/>
-          </a:effectRef>
-          <a:fontRef idx="minor">
-            <a:schemeClr val="dk1"/>
-          </a:fontRef>
-        </p:style>
-        <p:txBody>
-          <a:bodyPr wrap="square" rtlCol="0">
-            <a:spAutoFit/>
-          </a:bodyPr>
-          <a:lstStyle/>
-          <a:p>
-            <a:r>
-              <a:rPr lang="en-GB" sz="1700" dirty="0" smtClean="0"/>
-              <a:t>Mark a class component as an observer</a:t>
-            </a:r>
-            <a:endParaRPr lang="en-GB" sz="1700" dirty="0">
-              <a:latin typeface="Consolas" panose="020B0609020204030204" pitchFamily="49" charset="0"/>
-              <a:cs typeface="Consolas" panose="020B0609020204030204" pitchFamily="49" charset="0"/>
-            </a:endParaRPr>
-          </a:p>
-        </p:txBody>
-      </p:sp>
-      <p:sp>
-        <p:nvSpPr>
-          <p:cNvPr id="4" name="Rektangel 3"/>
-          <p:cNvSpPr/>
-          <p:nvPr/>
-        </p:nvSpPr>
-        <p:spPr>
-          <a:xfrm>
-            <a:off x="1547664" y="1582341"/>
-            <a:ext cx="5310336" cy="3416320"/>
-          </a:xfrm>
-          <a:prstGeom prst="rect">
-            <a:avLst/>
-          </a:prstGeom>
-        </p:spPr>
-        <p:txBody>
-          <a:bodyPr wrap="square">
-            <a:spAutoFit/>
-          </a:bodyPr>
-          <a:lstStyle/>
-          <a:p>
-            <a:r>
-              <a:rPr lang="da-DK" dirty="0">
-                <a:solidFill>
-                  <a:srgbClr val="AF00DB"/>
-                </a:solidFill>
-                <a:latin typeface="Consolas"/>
-              </a:rPr>
-              <a:t>import</a:t>
-            </a:r>
-            <a:r>
-              <a:rPr lang="da-DK" dirty="0">
-                <a:solidFill>
-                  <a:srgbClr val="000000"/>
-                </a:solidFill>
-                <a:latin typeface="Consolas"/>
-              </a:rPr>
-              <a:t> {</a:t>
-            </a:r>
-            <a:r>
-              <a:rPr lang="da-DK" dirty="0">
-                <a:solidFill>
-                  <a:srgbClr val="001080"/>
-                </a:solidFill>
-                <a:latin typeface="Consolas"/>
-              </a:rPr>
-              <a:t> observer</a:t>
-            </a:r>
-            <a:r>
-              <a:rPr lang="da-DK" dirty="0">
-                <a:solidFill>
-                  <a:srgbClr val="000000"/>
-                </a:solidFill>
-                <a:latin typeface="Consolas"/>
-              </a:rPr>
-              <a:t> }</a:t>
-            </a:r>
-            <a:r>
-              <a:rPr lang="da-DK" dirty="0">
-                <a:solidFill>
-                  <a:srgbClr val="AF00DB"/>
-                </a:solidFill>
-                <a:latin typeface="Consolas"/>
-              </a:rPr>
-              <a:t> from</a:t>
-            </a:r>
-            <a:r>
-              <a:rPr lang="da-DK" dirty="0">
-                <a:solidFill>
-                  <a:srgbClr val="000000"/>
-                </a:solidFill>
-                <a:latin typeface="Consolas"/>
-              </a:rPr>
-              <a:t> </a:t>
-            </a:r>
-            <a:r>
-              <a:rPr lang="da-DK" dirty="0">
-                <a:solidFill>
-                  <a:srgbClr val="A31515"/>
-                </a:solidFill>
-                <a:latin typeface="Consolas"/>
-              </a:rPr>
-              <a:t>"</a:t>
-            </a:r>
-            <a:r>
-              <a:rPr lang="da-DK" dirty="0" err="1">
-                <a:solidFill>
-                  <a:srgbClr val="A31515"/>
-                </a:solidFill>
-                <a:latin typeface="Consolas"/>
-              </a:rPr>
-              <a:t>mobx-react</a:t>
-            </a:r>
-            <a:r>
-              <a:rPr lang="da-DK" dirty="0">
-                <a:solidFill>
-                  <a:srgbClr val="A31515"/>
-                </a:solidFill>
-                <a:latin typeface="Consolas"/>
-              </a:rPr>
-              <a:t>"</a:t>
-            </a:r>
-            <a:r>
-              <a:rPr lang="da-DK" dirty="0">
-                <a:solidFill>
-                  <a:srgbClr val="000000"/>
-                </a:solidFill>
-                <a:latin typeface="Consolas"/>
-              </a:rPr>
-              <a:t>;</a:t>
-            </a:r>
-          </a:p>
-          <a:p>
-            <a:endParaRPr lang="da-DK" dirty="0" smtClean="0">
-              <a:solidFill>
-                <a:srgbClr val="000000"/>
-              </a:solidFill>
-              <a:latin typeface="Consolas"/>
-            </a:endParaRPr>
-          </a:p>
-          <a:p>
-            <a:r>
-              <a:rPr lang="da-DK" dirty="0">
-                <a:solidFill>
-                  <a:srgbClr val="000000"/>
-                </a:solidFill>
-                <a:latin typeface="Consolas"/>
-              </a:rPr>
-              <a:t/>
-            </a:r>
-            <a:br>
-              <a:rPr lang="da-DK" dirty="0">
-                <a:solidFill>
-                  <a:srgbClr val="000000"/>
-                </a:solidFill>
-                <a:latin typeface="Consolas"/>
-              </a:rPr>
-            </a:br>
-            <a:r>
-              <a:rPr lang="da-DK" dirty="0">
-                <a:solidFill>
-                  <a:srgbClr val="800000"/>
-                </a:solidFill>
-                <a:latin typeface="Consolas"/>
-              </a:rPr>
-              <a:t>@observer</a:t>
-            </a:r>
-            <a:endParaRPr lang="da-DK" dirty="0">
-              <a:solidFill>
-                <a:srgbClr val="000000"/>
-              </a:solidFill>
-              <a:latin typeface="Consolas"/>
-            </a:endParaRPr>
-          </a:p>
-          <a:p>
-            <a:r>
-              <a:rPr lang="da-DK" dirty="0" err="1">
-                <a:solidFill>
-                  <a:srgbClr val="0000FF"/>
-                </a:solidFill>
-                <a:latin typeface="Consolas"/>
-              </a:rPr>
-              <a:t>class</a:t>
-            </a:r>
-            <a:r>
-              <a:rPr lang="da-DK" dirty="0">
-                <a:solidFill>
-                  <a:srgbClr val="000000"/>
-                </a:solidFill>
-                <a:latin typeface="Consolas"/>
-              </a:rPr>
-              <a:t> </a:t>
-            </a:r>
-            <a:r>
-              <a:rPr lang="da-DK" dirty="0" err="1">
-                <a:solidFill>
-                  <a:srgbClr val="267F99"/>
-                </a:solidFill>
-                <a:latin typeface="Consolas"/>
-              </a:rPr>
-              <a:t>TodoList</a:t>
-            </a:r>
-            <a:r>
-              <a:rPr lang="da-DK" dirty="0">
-                <a:solidFill>
-                  <a:srgbClr val="000000"/>
-                </a:solidFill>
-                <a:latin typeface="Consolas"/>
-              </a:rPr>
-              <a:t> </a:t>
-            </a:r>
-            <a:r>
-              <a:rPr lang="da-DK" dirty="0" err="1">
-                <a:solidFill>
-                  <a:srgbClr val="0000FF"/>
-                </a:solidFill>
-                <a:latin typeface="Consolas"/>
-              </a:rPr>
-              <a:t>extends</a:t>
-            </a:r>
-            <a:r>
-              <a:rPr lang="da-DK" dirty="0">
-                <a:solidFill>
-                  <a:srgbClr val="000000"/>
-                </a:solidFill>
-                <a:latin typeface="Consolas"/>
-              </a:rPr>
-              <a:t> </a:t>
-            </a:r>
-            <a:r>
-              <a:rPr lang="da-DK" dirty="0" err="1">
-                <a:solidFill>
-                  <a:srgbClr val="267F99"/>
-                </a:solidFill>
-                <a:latin typeface="Consolas"/>
-              </a:rPr>
-              <a:t>React</a:t>
-            </a:r>
-            <a:r>
-              <a:rPr lang="da-DK" dirty="0" err="1">
-                <a:solidFill>
-                  <a:srgbClr val="000000"/>
-                </a:solidFill>
-                <a:latin typeface="Consolas"/>
-              </a:rPr>
-              <a:t>.</a:t>
-            </a:r>
-            <a:r>
-              <a:rPr lang="da-DK" dirty="0" err="1">
-                <a:solidFill>
-                  <a:srgbClr val="001080"/>
-                </a:solidFill>
-                <a:latin typeface="Consolas"/>
-              </a:rPr>
-              <a:t>Component</a:t>
-            </a:r>
-            <a:r>
-              <a:rPr lang="da-DK" dirty="0">
-                <a:solidFill>
-                  <a:srgbClr val="000000"/>
-                </a:solidFill>
-                <a:latin typeface="Consolas"/>
-              </a:rPr>
-              <a:t> {</a:t>
-            </a:r>
-          </a:p>
-          <a:p>
-            <a:r>
-              <a:rPr lang="da-DK" dirty="0">
-                <a:solidFill>
-                  <a:srgbClr val="000000"/>
-                </a:solidFill>
-                <a:latin typeface="Consolas"/>
-              </a:rPr>
-              <a:t>...</a:t>
-            </a:r>
-          </a:p>
-          <a:p>
-            <a:r>
-              <a:rPr lang="da-DK" dirty="0">
-                <a:solidFill>
-                  <a:srgbClr val="000000"/>
-                </a:solidFill>
-                <a:latin typeface="Consolas"/>
-              </a:rPr>
-              <a:t>}</a:t>
-            </a:r>
-          </a:p>
-          <a:p>
-            <a:r>
-              <a:rPr lang="da-DK" dirty="0">
-                <a:solidFill>
-                  <a:srgbClr val="000000"/>
-                </a:solidFill>
-                <a:latin typeface="Consolas"/>
-              </a:rPr>
-              <a:t/>
-            </a:r>
-            <a:br>
-              <a:rPr lang="da-DK" dirty="0">
-                <a:solidFill>
-                  <a:srgbClr val="000000"/>
-                </a:solidFill>
-                <a:latin typeface="Consolas"/>
-              </a:rPr>
-            </a:br>
-            <a:r>
-              <a:rPr lang="da-DK" dirty="0">
-                <a:solidFill>
-                  <a:srgbClr val="000000"/>
-                </a:solidFill>
-                <a:latin typeface="Consolas"/>
-              </a:rPr>
-              <a:t/>
-            </a:r>
-            <a:br>
-              <a:rPr lang="da-DK" dirty="0">
-                <a:solidFill>
-                  <a:srgbClr val="000000"/>
-                </a:solidFill>
-                <a:latin typeface="Consolas"/>
-              </a:rPr>
-            </a:br>
-            <a:r>
-              <a:rPr lang="da-DK" dirty="0" err="1">
-                <a:solidFill>
-                  <a:srgbClr val="001080"/>
-                </a:solidFill>
-                <a:latin typeface="Consolas"/>
-              </a:rPr>
-              <a:t>TodoList</a:t>
-            </a:r>
-            <a:r>
-              <a:rPr lang="da-DK" dirty="0">
-                <a:solidFill>
-                  <a:srgbClr val="000000"/>
-                </a:solidFill>
-                <a:latin typeface="Consolas"/>
-              </a:rPr>
-              <a:t> = </a:t>
-            </a:r>
-            <a:r>
-              <a:rPr lang="da-DK" dirty="0">
-                <a:solidFill>
-                  <a:srgbClr val="795E26"/>
-                </a:solidFill>
-                <a:latin typeface="Consolas"/>
-              </a:rPr>
-              <a:t>observer</a:t>
-            </a:r>
-            <a:r>
-              <a:rPr lang="da-DK" dirty="0">
-                <a:solidFill>
-                  <a:srgbClr val="000000"/>
-                </a:solidFill>
-                <a:latin typeface="Consolas"/>
-              </a:rPr>
-              <a:t> ((</a:t>
-            </a:r>
-            <a:r>
-              <a:rPr lang="da-DK" dirty="0">
-                <a:solidFill>
-                  <a:srgbClr val="001080"/>
-                </a:solidFill>
-                <a:latin typeface="Consolas"/>
-              </a:rPr>
-              <a:t>props</a:t>
-            </a:r>
-            <a:r>
-              <a:rPr lang="da-DK" dirty="0">
-                <a:solidFill>
-                  <a:srgbClr val="000000"/>
-                </a:solidFill>
-                <a:latin typeface="Consolas"/>
-              </a:rPr>
-              <a:t>) </a:t>
-            </a:r>
-            <a:r>
-              <a:rPr lang="da-DK" dirty="0">
-                <a:solidFill>
-                  <a:srgbClr val="0000FF"/>
-                </a:solidFill>
-                <a:latin typeface="Consolas"/>
-              </a:rPr>
-              <a:t>=&gt;</a:t>
-            </a:r>
-            <a:r>
-              <a:rPr lang="da-DK" dirty="0">
-                <a:solidFill>
-                  <a:srgbClr val="000000"/>
-                </a:solidFill>
-                <a:latin typeface="Consolas"/>
-              </a:rPr>
-              <a:t> {</a:t>
-            </a:r>
-          </a:p>
-          <a:p>
-            <a:r>
-              <a:rPr lang="da-DK" dirty="0">
-                <a:solidFill>
-                  <a:srgbClr val="000000"/>
-                </a:solidFill>
-                <a:latin typeface="Consolas"/>
-              </a:rPr>
-              <a:t/>
-            </a:r>
-            <a:br>
-              <a:rPr lang="da-DK" dirty="0">
-                <a:solidFill>
-                  <a:srgbClr val="000000"/>
-                </a:solidFill>
-                <a:latin typeface="Consolas"/>
-              </a:rPr>
-            </a:br>
-            <a:r>
-              <a:rPr lang="da-DK" dirty="0">
-                <a:solidFill>
-                  <a:srgbClr val="000000"/>
-                </a:solidFill>
-                <a:latin typeface="Consolas"/>
-              </a:rPr>
-              <a:t>})</a:t>
-            </a:r>
-            <a:endParaRPr lang="da-DK" b="0" dirty="0">
-              <a:solidFill>
-                <a:srgbClr val="000000"/>
-              </a:solidFill>
-              <a:effectLst/>
-              <a:latin typeface="Consolas"/>
-            </a:endParaRPr>
-          </a:p>
-        </p:txBody>
-      </p:sp>
-      <p:sp>
-        <p:nvSpPr>
-          <p:cNvPr id="5" name="Tekstboks 4"/>
-          <p:cNvSpPr txBox="1"/>
-          <p:nvPr/>
-        </p:nvSpPr>
-        <p:spPr>
-          <a:xfrm>
-            <a:off x="2667040" y="3692644"/>
-            <a:ext cx="4176464" cy="353943"/>
-          </a:xfrm>
-          <a:prstGeom prst="rect">
-            <a:avLst/>
-          </a:prstGeom>
-        </p:spPr>
-        <p:style>
-          <a:lnRef idx="1">
-            <a:schemeClr val="accent3"/>
-          </a:lnRef>
-          <a:fillRef idx="2">
-            <a:schemeClr val="accent3"/>
-          </a:fillRef>
-          <a:effectRef idx="1">
-            <a:schemeClr val="accent3"/>
-          </a:effectRef>
-          <a:fontRef idx="minor">
-            <a:schemeClr val="dk1"/>
-          </a:fontRef>
-        </p:style>
-        <p:txBody>
-          <a:bodyPr wrap="square" rtlCol="0">
-            <a:spAutoFit/>
-          </a:bodyPr>
-          <a:lstStyle/>
-          <a:p>
-            <a:r>
-              <a:rPr lang="en-GB" sz="1700" dirty="0" smtClean="0"/>
-              <a:t>Mark a functional component as an observer</a:t>
-            </a:r>
-            <a:endParaRPr lang="en-GB" sz="1700" dirty="0">
-              <a:latin typeface="Consolas" panose="020B0609020204030204" pitchFamily="49" charset="0"/>
-              <a:cs typeface="Consolas" panose="020B0609020204030204" pitchFamily="49" charset="0"/>
-            </a:endParaRPr>
-          </a:p>
-        </p:txBody>
-      </p:sp>
-    </p:spTree>
-    <p:extLst>
-      <p:ext uri="{BB962C8B-B14F-4D97-AF65-F5344CB8AC3E}">
-        <p14:creationId xmlns:p14="http://schemas.microsoft.com/office/powerpoint/2010/main" val="1032973503"/>
-      </p:ext>
-    </p:extLst>
-  </p:cSld>
-  <p:clrMapOvr>
-    <a:masterClrMapping/>
-  </p:clrMapOvr>
-</p:sld>
-</file>
-
-<file path=ppt/slides/slide8.xml><?xml version="1.0" encoding="utf-8"?>
-<p:sld xmlns:a="http://schemas.openxmlformats.org/drawingml/2006/main" xmlns:r="http://schemas.openxmlformats.org/officeDocument/2006/relationships" xmlns:p="http://schemas.openxmlformats.org/presentationml/2006/main">
-  <p:cSld>
-    <p:spTree>
-      <p:nvGrpSpPr>
-        <p:cNvPr id="1" name=""/>
-        <p:cNvGrpSpPr/>
-        <p:nvPr/>
-      </p:nvGrpSpPr>
-      <p:grpSpPr>
-        <a:xfrm>
-          <a:off x="0" y="0"/>
-          <a:ext cx="0" cy="0"/>
-          <a:chOff x="0" y="0"/>
-          <a:chExt cx="0" cy="0"/>
-        </a:xfrm>
-      </p:grpSpPr>
-      <p:pic>
-        <p:nvPicPr>
-          <p:cNvPr id="1026" name="Picture 2" descr="http://localhost:3001/state/images/redux-flow-chart.png"/>
-          <p:cNvPicPr>
-            <a:picLocks noChangeAspect="1" noChangeArrowheads="1"/>
-          </p:cNvPicPr>
-          <p:nvPr/>
-        </p:nvPicPr>
-        <p:blipFill>
-          <a:blip r:embed="rId2">
-            <a:extLst>
-              <a:ext uri="{28A0092B-C50C-407E-A947-70E740481C1C}">
-                <a14:useLocalDpi xmlns:a14="http://schemas.microsoft.com/office/drawing/2010/main" val="0"/>
-              </a:ext>
-            </a:extLst>
-          </a:blip>
-          <a:srcRect/>
-          <a:stretch>
-            <a:fillRect/>
-          </a:stretch>
-        </p:blipFill>
-        <p:spPr bwMode="auto">
-          <a:xfrm>
-            <a:off x="1475656" y="1988840"/>
-            <a:ext cx="6543675" cy="3143250"/>
-          </a:xfrm>
-          <a:prstGeom prst="rect">
-            <a:avLst/>
-          </a:prstGeom>
-          <a:noFill/>
-          <a:extLst>
-            <a:ext uri="{909E8E84-426E-40DD-AFC4-6F175D3DCCD1}">
-              <a14:hiddenFill xmlns:a14="http://schemas.microsoft.com/office/drawing/2010/main">
-                <a:solidFill>
-                  <a:srgbClr val="FFFFFF"/>
-                </a:solidFill>
-              </a14:hiddenFill>
-            </a:ext>
-          </a:extLst>
-        </p:spPr>
-      </p:pic>
-      <p:pic>
-        <p:nvPicPr>
-          <p:cNvPr id="1028" name="Picture 4" descr="Image result for arrow circle "/>
-          <p:cNvPicPr>
-            <a:picLocks noChangeAspect="1" noChangeArrowheads="1"/>
-          </p:cNvPicPr>
-          <p:nvPr/>
-        </p:nvPicPr>
-        <p:blipFill>
-          <a:blip r:embed="rId3" cstate="print">
-            <a:extLst>
-              <a:ext uri="{28A0092B-C50C-407E-A947-70E740481C1C}">
-                <a14:useLocalDpi xmlns:a14="http://schemas.microsoft.com/office/drawing/2010/main" val="0"/>
-              </a:ext>
-            </a:extLst>
-          </a:blip>
-          <a:srcRect/>
-          <a:stretch>
-            <a:fillRect/>
-          </a:stretch>
-        </p:blipFill>
-        <p:spPr bwMode="auto">
-          <a:xfrm>
-            <a:off x="1475656" y="908720"/>
-            <a:ext cx="1509663" cy="1507147"/>
-          </a:xfrm>
-          <a:prstGeom prst="rect">
-            <a:avLst/>
-          </a:prstGeom>
-          <a:noFill/>
-          <a:extLst>
-            <a:ext uri="{909E8E84-426E-40DD-AFC4-6F175D3DCCD1}">
-              <a14:hiddenFill xmlns:a14="http://schemas.microsoft.com/office/drawing/2010/main">
-                <a:solidFill>
-                  <a:srgbClr val="FFFFFF"/>
-                </a:solidFill>
-              </a14:hiddenFill>
-            </a:ext>
-          </a:extLst>
-        </p:spPr>
-      </p:pic>
-      <p:pic>
-        <p:nvPicPr>
-          <p:cNvPr id="1030" name="Picture 6" descr="Image result for arrow circle"/>
-          <p:cNvPicPr>
-            <a:picLocks noChangeAspect="1" noChangeArrowheads="1"/>
-          </p:cNvPicPr>
-          <p:nvPr/>
-        </p:nvPicPr>
-        <p:blipFill>
-          <a:blip r:embed="rId4" cstate="print">
-            <a:extLst>
-              <a:ext uri="{28A0092B-C50C-407E-A947-70E740481C1C}">
-                <a14:useLocalDpi xmlns:a14="http://schemas.microsoft.com/office/drawing/2010/main" val="0"/>
-              </a:ext>
-            </a:extLst>
-          </a:blip>
-          <a:srcRect/>
-          <a:stretch>
-            <a:fillRect/>
-          </a:stretch>
-        </p:blipFill>
-        <p:spPr bwMode="auto">
-          <a:xfrm>
-            <a:off x="5004048" y="2708920"/>
-            <a:ext cx="1408684" cy="1408684"/>
-          </a:xfrm>
-          <a:prstGeom prst="rect">
-            <a:avLst/>
-          </a:prstGeom>
-          <a:noFill/>
-          <a:extLst>
-            <a:ext uri="{909E8E84-426E-40DD-AFC4-6F175D3DCCD1}">
-              <a14:hiddenFill xmlns:a14="http://schemas.microsoft.com/office/drawing/2010/main">
-                <a:solidFill>
-                  <a:srgbClr val="FFFFFF"/>
-                </a:solidFill>
-              </a14:hiddenFill>
-            </a:ext>
-          </a:extLst>
-        </p:spPr>
-      </p:pic>
-    </p:spTree>
-    <p:extLst>
-      <p:ext uri="{BB962C8B-B14F-4D97-AF65-F5344CB8AC3E}">
-        <p14:creationId xmlns:p14="http://schemas.microsoft.com/office/powerpoint/2010/main" val="123977255"/>
       </p:ext>
     </p:extLst>
   </p:cSld>
